--- a/PPT/Intro_C_Program.pptx
+++ b/PPT/Intro_C_Program.pptx
@@ -22,12 +22,13 @@
     <p:sldId id="270" r:id="rId16"/>
     <p:sldId id="272" r:id="rId17"/>
     <p:sldId id="279" r:id="rId18"/>
-    <p:sldId id="266" r:id="rId19"/>
-    <p:sldId id="268" r:id="rId20"/>
-    <p:sldId id="267" r:id="rId21"/>
-    <p:sldId id="277" r:id="rId22"/>
-    <p:sldId id="278" r:id="rId23"/>
-    <p:sldId id="273" r:id="rId24"/>
+    <p:sldId id="280" r:id="rId19"/>
+    <p:sldId id="266" r:id="rId20"/>
+    <p:sldId id="268" r:id="rId21"/>
+    <p:sldId id="267" r:id="rId22"/>
+    <p:sldId id="277" r:id="rId23"/>
+    <p:sldId id="278" r:id="rId24"/>
+    <p:sldId id="273" r:id="rId25"/>
   </p:sldIdLst>
   <p:sldSz cx="9144000" cy="6858000" type="screen4x3"/>
   <p:notesSz cx="6858000" cy="9144000"/>
@@ -241,7 +242,7 @@
             <a:fld id="{1D8BD707-D9CF-40AE-B4C6-C98DA3205C09}" type="datetimeFigureOut">
               <a:rPr lang="en-US" smtClean="0"/>
               <a:pPr/>
-              <a:t>04-Nov-20</a:t>
+              <a:t>05-Nov-20</a:t>
             </a:fld>
             <a:endParaRPr lang="en-US"/>
           </a:p>
@@ -469,7 +470,7 @@
             <a:fld id="{1D8BD707-D9CF-40AE-B4C6-C98DA3205C09}" type="datetimeFigureOut">
               <a:rPr lang="en-US" smtClean="0"/>
               <a:pPr/>
-              <a:t>04-Nov-20</a:t>
+              <a:t>05-Nov-20</a:t>
             </a:fld>
             <a:endParaRPr lang="en-US"/>
           </a:p>
@@ -646,7 +647,7 @@
             <a:fld id="{1D8BD707-D9CF-40AE-B4C6-C98DA3205C09}" type="datetimeFigureOut">
               <a:rPr lang="en-US" smtClean="0"/>
               <a:pPr/>
-              <a:t>04-Nov-20</a:t>
+              <a:t>05-Nov-20</a:t>
             </a:fld>
             <a:endParaRPr lang="en-US"/>
           </a:p>
@@ -813,7 +814,7 @@
             <a:fld id="{1D8BD707-D9CF-40AE-B4C6-C98DA3205C09}" type="datetimeFigureOut">
               <a:rPr lang="en-US" smtClean="0"/>
               <a:pPr/>
-              <a:t>04-Nov-20</a:t>
+              <a:t>05-Nov-20</a:t>
             </a:fld>
             <a:endParaRPr lang="en-US"/>
           </a:p>
@@ -1059,7 +1060,7 @@
             <a:fld id="{1D8BD707-D9CF-40AE-B4C6-C98DA3205C09}" type="datetimeFigureOut">
               <a:rPr lang="en-US" smtClean="0"/>
               <a:pPr/>
-              <a:t>04-Nov-20</a:t>
+              <a:t>05-Nov-20</a:t>
             </a:fld>
             <a:endParaRPr lang="en-US"/>
           </a:p>
@@ -1325,7 +1326,7 @@
             <a:fld id="{1D8BD707-D9CF-40AE-B4C6-C98DA3205C09}" type="datetimeFigureOut">
               <a:rPr lang="en-US" smtClean="0"/>
               <a:pPr/>
-              <a:t>04-Nov-20</a:t>
+              <a:t>05-Nov-20</a:t>
             </a:fld>
             <a:endParaRPr lang="en-US"/>
           </a:p>
@@ -1701,7 +1702,7 @@
             <a:fld id="{1D8BD707-D9CF-40AE-B4C6-C98DA3205C09}" type="datetimeFigureOut">
               <a:rPr lang="en-US" smtClean="0"/>
               <a:pPr/>
-              <a:t>04-Nov-20</a:t>
+              <a:t>05-Nov-20</a:t>
             </a:fld>
             <a:endParaRPr lang="en-US"/>
           </a:p>
@@ -1816,7 +1817,7 @@
             <a:fld id="{1D8BD707-D9CF-40AE-B4C6-C98DA3205C09}" type="datetimeFigureOut">
               <a:rPr lang="en-US" smtClean="0"/>
               <a:pPr/>
-              <a:t>04-Nov-20</a:t>
+              <a:t>05-Nov-20</a:t>
             </a:fld>
             <a:endParaRPr lang="en-US"/>
           </a:p>
@@ -1908,7 +1909,7 @@
             <a:fld id="{1D8BD707-D9CF-40AE-B4C6-C98DA3205C09}" type="datetimeFigureOut">
               <a:rPr lang="en-US" smtClean="0"/>
               <a:pPr/>
-              <a:t>04-Nov-20</a:t>
+              <a:t>05-Nov-20</a:t>
             </a:fld>
             <a:endParaRPr lang="en-US"/>
           </a:p>
@@ -2168,7 +2169,7 @@
             <a:fld id="{1D8BD707-D9CF-40AE-B4C6-C98DA3205C09}" type="datetimeFigureOut">
               <a:rPr lang="en-US" smtClean="0"/>
               <a:pPr/>
-              <a:t>04-Nov-20</a:t>
+              <a:t>05-Nov-20</a:t>
             </a:fld>
             <a:endParaRPr lang="en-US"/>
           </a:p>
@@ -2434,7 +2435,7 @@
             <a:fld id="{1D8BD707-D9CF-40AE-B4C6-C98DA3205C09}" type="datetimeFigureOut">
               <a:rPr lang="en-US" smtClean="0"/>
               <a:pPr/>
-              <a:t>04-Nov-20</a:t>
+              <a:t>05-Nov-20</a:t>
             </a:fld>
             <a:endParaRPr lang="en-US"/>
           </a:p>
@@ -2653,7 +2654,7 @@
             <a:fld id="{1D8BD707-D9CF-40AE-B4C6-C98DA3205C09}" type="datetimeFigureOut">
               <a:rPr lang="en-US" smtClean="0"/>
               <a:pPr/>
-              <a:t>04-Nov-20</a:t>
+              <a:t>05-Nov-20</a:t>
             </a:fld>
             <a:endParaRPr lang="en-US"/>
           </a:p>
@@ -3361,11 +3362,7 @@
           <a:p>
             <a:r>
               <a:rPr lang="en-US" dirty="0" smtClean="0"/>
-              <a:t>Implicit type </a:t>
-            </a:r>
-            <a:r>
-              <a:rPr lang="en-US" dirty="0" smtClean="0"/>
-              <a:t>conversion</a:t>
+              <a:t>Implicit type conversion</a:t>
             </a:r>
           </a:p>
           <a:p>
@@ -3416,16 +3413,11 @@
               <a:rPr lang="en-US" dirty="0" smtClean="0"/>
               <a:t>); //implicit conversion</a:t>
             </a:r>
-            <a:endParaRPr lang="en-US" dirty="0" smtClean="0"/>
-          </a:p>
-          <a:p>
-            <a:r>
-              <a:rPr lang="en-US" dirty="0" smtClean="0"/>
-              <a:t>Explicit type </a:t>
-            </a:r>
-            <a:r>
-              <a:rPr lang="en-US" dirty="0" smtClean="0"/>
-              <a:t>conversion</a:t>
+          </a:p>
+          <a:p>
+            <a:r>
+              <a:rPr lang="en-US" dirty="0" smtClean="0"/>
+              <a:t>Explicit type conversion</a:t>
             </a:r>
           </a:p>
           <a:p>
@@ -3477,7 +3469,6 @@
               <a:rPr lang="en-US" dirty="0"/>
               <a:t>); </a:t>
             </a:r>
-            <a:endParaRPr lang="en-US" dirty="0"/>
           </a:p>
         </p:txBody>
       </p:sp>
@@ -4240,12 +4231,8 @@
           <a:lstStyle/>
           <a:p>
             <a:r>
-              <a:rPr lang="en-US" dirty="0" smtClean="0"/>
-              <a:t>Input and </a:t>
-            </a:r>
-            <a:r>
               <a:rPr lang="en-US" dirty="0" err="1" smtClean="0"/>
-              <a:t>ouput</a:t>
+              <a:t>Operator_precedence</a:t>
             </a:r>
             <a:endParaRPr lang="en-US" dirty="0"/>
           </a:p>
@@ -4261,37 +4248,264 @@
             <p:ph idx="1"/>
           </p:nvPr>
         </p:nvSpPr>
-        <p:spPr/>
-        <p:txBody>
-          <a:bodyPr/>
-          <a:lstStyle/>
-          <a:p>
-            <a:r>
-              <a:rPr lang="en-US" dirty="0" err="1" smtClean="0"/>
-              <a:t>Scanf</a:t>
-            </a:r>
-            <a:r>
-              <a:rPr lang="en-US" dirty="0" smtClean="0"/>
-              <a:t>()</a:t>
-            </a:r>
-          </a:p>
-          <a:p>
-            <a:r>
-              <a:rPr lang="en-US" dirty="0" err="1" smtClean="0"/>
-              <a:t>Printf</a:t>
-            </a:r>
-            <a:r>
-              <a:rPr lang="en-US" dirty="0" smtClean="0"/>
-              <a:t>()</a:t>
-            </a:r>
+        <p:spPr>
+          <a:xfrm>
+            <a:off x="457200" y="1600200"/>
+            <a:ext cx="9144000" cy="4709160"/>
+          </a:xfrm>
+        </p:spPr>
+        <p:txBody>
+          <a:bodyPr>
+            <a:normAutofit fontScale="70000" lnSpcReduction="20000"/>
+          </a:bodyPr>
+          <a:lstStyle/>
+          <a:p>
+            <a:pPr marL="137160" indent="0">
+              <a:buNone/>
+            </a:pPr>
+            <a:r>
+              <a:rPr lang="en-US" dirty="0"/>
+              <a:t>Operator Precedence and Associativity </a:t>
+            </a:r>
+            <a:endParaRPr lang="en-US" dirty="0" smtClean="0"/>
+          </a:p>
+          <a:p>
+            <a:pPr marL="137160" indent="0">
+              <a:buNone/>
+            </a:pPr>
             <a:endParaRPr lang="en-US" dirty="0"/>
+          </a:p>
+          <a:p>
+            <a:pPr marL="137160" indent="0">
+              <a:buNone/>
+            </a:pPr>
+            <a:r>
+              <a:rPr lang="en-US" sz="3400" dirty="0" smtClean="0">
+                <a:solidFill>
+                  <a:srgbClr val="FF0000"/>
+                </a:solidFill>
+              </a:rPr>
+              <a:t>Precedence 					Associativity </a:t>
+            </a:r>
+          </a:p>
+          <a:p>
+            <a:pPr marL="137160" indent="0">
+              <a:buNone/>
+            </a:pPr>
+            <a:endParaRPr lang="en-US" dirty="0" smtClean="0"/>
+          </a:p>
+          <a:p>
+            <a:pPr marL="137160" indent="0">
+              <a:buNone/>
+            </a:pPr>
+            <a:r>
+              <a:rPr lang="en-US" dirty="0" smtClean="0"/>
+              <a:t>( </a:t>
+            </a:r>
+            <a:r>
+              <a:rPr lang="en-US" dirty="0"/>
+              <a:t>) </a:t>
+            </a:r>
+            <a:r>
+              <a:rPr lang="en-US" dirty="0" smtClean="0"/>
+              <a:t>						left </a:t>
+            </a:r>
+            <a:r>
+              <a:rPr lang="en-US" dirty="0"/>
+              <a:t>to right/inside‐out </a:t>
+            </a:r>
+            <a:endParaRPr lang="en-US" dirty="0" smtClean="0"/>
+          </a:p>
+          <a:p>
+            <a:pPr marL="137160" indent="0">
+              <a:buNone/>
+            </a:pPr>
+            <a:r>
+              <a:rPr lang="en-US" dirty="0" smtClean="0"/>
+              <a:t>++</a:t>
+            </a:r>
+            <a:r>
+              <a:rPr lang="en-US" dirty="0"/>
+              <a:t>  ‐‐ ! + (unary)  ‐ (unary) (type</a:t>
+            </a:r>
+            <a:r>
+              <a:rPr lang="en-US" dirty="0" smtClean="0"/>
+              <a:t>)		right </a:t>
+            </a:r>
+            <a:r>
+              <a:rPr lang="en-US" dirty="0"/>
+              <a:t>to left </a:t>
+            </a:r>
+            <a:endParaRPr lang="en-US" dirty="0" smtClean="0"/>
+          </a:p>
+          <a:p>
+            <a:pPr marL="137160" indent="0">
+              <a:buNone/>
+            </a:pPr>
+            <a:r>
+              <a:rPr lang="en-US" dirty="0" smtClean="0"/>
+              <a:t>* </a:t>
+            </a:r>
+            <a:r>
+              <a:rPr lang="en-US" dirty="0"/>
+              <a:t>/ % </a:t>
+            </a:r>
+            <a:r>
+              <a:rPr lang="en-US" dirty="0" smtClean="0"/>
+              <a:t>						left </a:t>
+            </a:r>
+            <a:r>
+              <a:rPr lang="en-US" dirty="0"/>
+              <a:t>to </a:t>
+            </a:r>
+            <a:r>
+              <a:rPr lang="en-US" dirty="0" smtClean="0"/>
+              <a:t>right</a:t>
+            </a:r>
+          </a:p>
+          <a:p>
+            <a:pPr marL="137160" indent="0">
+              <a:buNone/>
+            </a:pPr>
+            <a:r>
+              <a:rPr lang="en-US" dirty="0" smtClean="0"/>
+              <a:t> </a:t>
+            </a:r>
+            <a:r>
+              <a:rPr lang="en-US" dirty="0"/>
+              <a:t>+ (addition)  ‐ (subtraction) </a:t>
+            </a:r>
+            <a:r>
+              <a:rPr lang="en-US" dirty="0" smtClean="0"/>
+              <a:t>			left </a:t>
+            </a:r>
+            <a:r>
+              <a:rPr lang="en-US" dirty="0"/>
+              <a:t>to right </a:t>
+            </a:r>
+            <a:endParaRPr lang="en-US" dirty="0" smtClean="0"/>
+          </a:p>
+          <a:p>
+            <a:pPr marL="137160" indent="0">
+              <a:buNone/>
+            </a:pPr>
+            <a:r>
+              <a:rPr lang="en-US" dirty="0" smtClean="0"/>
+              <a:t>&lt; </a:t>
+            </a:r>
+            <a:r>
+              <a:rPr lang="en-US" dirty="0"/>
+              <a:t>&lt;= &gt; </a:t>
+            </a:r>
+            <a:r>
+              <a:rPr lang="en-US" dirty="0" smtClean="0"/>
+              <a:t>&gt;=					left to </a:t>
+            </a:r>
+            <a:r>
+              <a:rPr lang="en-US" dirty="0"/>
+              <a:t>right </a:t>
+            </a:r>
+            <a:endParaRPr lang="en-US" dirty="0" smtClean="0"/>
+          </a:p>
+          <a:p>
+            <a:pPr marL="137160" indent="0">
+              <a:buNone/>
+            </a:pPr>
+            <a:r>
+              <a:rPr lang="en-US" dirty="0" smtClean="0"/>
+              <a:t>== </a:t>
+            </a:r>
+            <a:r>
+              <a:rPr lang="en-US" dirty="0"/>
+              <a:t>!= </a:t>
+            </a:r>
+            <a:r>
+              <a:rPr lang="en-US" dirty="0" smtClean="0"/>
+              <a:t>						left </a:t>
+            </a:r>
+            <a:r>
+              <a:rPr lang="en-US" dirty="0"/>
+              <a:t>to right </a:t>
+            </a:r>
+            <a:endParaRPr lang="en-US" dirty="0" smtClean="0"/>
+          </a:p>
+          <a:p>
+            <a:pPr marL="137160" indent="0">
+              <a:buNone/>
+            </a:pPr>
+            <a:r>
+              <a:rPr lang="en-US" dirty="0" smtClean="0"/>
+              <a:t>&amp;&amp; 						left </a:t>
+            </a:r>
+            <a:r>
+              <a:rPr lang="en-US" dirty="0"/>
+              <a:t>to right </a:t>
+            </a:r>
+            <a:endParaRPr lang="en-US" dirty="0" smtClean="0"/>
+          </a:p>
+          <a:p>
+            <a:pPr marL="137160" indent="0">
+              <a:buNone/>
+            </a:pPr>
+            <a:r>
+              <a:rPr lang="en-US" dirty="0" smtClean="0"/>
+              <a:t>|| 						left </a:t>
+            </a:r>
+            <a:r>
+              <a:rPr lang="en-US" dirty="0"/>
+              <a:t>to right </a:t>
+            </a:r>
+            <a:endParaRPr lang="en-US" dirty="0" smtClean="0"/>
+          </a:p>
+          <a:p>
+            <a:pPr marL="137160" indent="0">
+              <a:buNone/>
+            </a:pPr>
+            <a:r>
+              <a:rPr lang="en-US" dirty="0" smtClean="0"/>
+              <a:t>= </a:t>
+            </a:r>
+            <a:r>
+              <a:rPr lang="en-US" dirty="0"/>
+              <a:t>+=  ‐= *= /= %= </a:t>
+            </a:r>
+            <a:r>
+              <a:rPr lang="en-US" dirty="0" smtClean="0"/>
+              <a:t>				right </a:t>
+            </a:r>
+            <a:r>
+              <a:rPr lang="en-US" dirty="0"/>
+              <a:t>to left </a:t>
+            </a:r>
+            <a:endParaRPr lang="en-US" dirty="0" smtClean="0"/>
+          </a:p>
+          <a:p>
+            <a:pPr marL="137160" indent="0">
+              <a:buNone/>
+            </a:pPr>
+            <a:r>
+              <a:rPr lang="en-US" dirty="0" smtClean="0"/>
+              <a:t>, </a:t>
+            </a:r>
+            <a:r>
+              <a:rPr lang="en-US" dirty="0"/>
+              <a:t>(comma) </a:t>
+            </a:r>
+            <a:r>
+              <a:rPr lang="en-US" dirty="0" smtClean="0"/>
+              <a:t>					right </a:t>
+            </a:r>
+            <a:r>
+              <a:rPr lang="en-US" dirty="0"/>
+              <a:t>to left</a:t>
+            </a:r>
           </a:p>
         </p:txBody>
       </p:sp>
     </p:spTree>
     <p:extLst>
       <p:ext uri="{BB962C8B-B14F-4D97-AF65-F5344CB8AC3E}">
-        <p14:creationId xmlns:p14="http://schemas.microsoft.com/office/powerpoint/2010/main" val="3283898978"/>
+        <p14:creationId xmlns:p14="http://schemas.microsoft.com/office/powerpoint/2010/main" val="3832344286"/>
       </p:ext>
     </p:extLst>
   </p:cSld>
@@ -4335,15 +4549,11 @@
           <a:p>
             <a:r>
               <a:rPr lang="en-US" dirty="0" smtClean="0"/>
-              <a:t>Local </a:t>
+              <a:t>Input and </a:t>
             </a:r>
             <a:r>
               <a:rPr lang="en-US" dirty="0" err="1" smtClean="0"/>
-              <a:t>vs</a:t>
-            </a:r>
-            <a:r>
-              <a:rPr lang="en-US" dirty="0" smtClean="0"/>
-              <a:t> global variables</a:t>
+              <a:t>ouput</a:t>
             </a:r>
             <a:endParaRPr lang="en-US" dirty="0"/>
           </a:p>
@@ -4361,237 +4571,35 @@
         </p:nvSpPr>
         <p:spPr/>
         <p:txBody>
-          <a:bodyPr>
-            <a:normAutofit fontScale="70000" lnSpcReduction="20000"/>
-          </a:bodyPr>
-          <a:lstStyle/>
-          <a:p>
-            <a:r>
-              <a:rPr lang="en-US" dirty="0" smtClean="0"/>
-              <a:t>Declaration,</a:t>
-            </a:r>
-            <a:r>
-              <a:rPr lang="en-US" dirty="0"/>
-              <a:t> </a:t>
-            </a:r>
-            <a:r>
-              <a:rPr lang="en-US" dirty="0" smtClean="0"/>
-              <a:t>Definition, initialization</a:t>
-            </a:r>
-          </a:p>
-          <a:p>
+          <a:bodyPr/>
+          <a:lstStyle/>
+          <a:p>
+            <a:r>
+              <a:rPr lang="en-US" dirty="0" err="1" smtClean="0"/>
+              <a:t>Scanf</a:t>
+            </a:r>
+            <a:r>
+              <a:rPr lang="en-US" dirty="0" smtClean="0"/>
+              <a:t>()</a:t>
+            </a:r>
+          </a:p>
+          <a:p>
+            <a:r>
+              <a:rPr lang="en-US" dirty="0" err="1" smtClean="0"/>
+              <a:t>Printf</a:t>
+            </a:r>
+            <a:r>
+              <a:rPr lang="en-US" dirty="0" smtClean="0"/>
+              <a:t>()</a:t>
+            </a:r>
             <a:endParaRPr lang="en-US" dirty="0"/>
-          </a:p>
-          <a:p>
-            <a:pPr marL="137160" indent="0">
-              <a:buNone/>
-            </a:pPr>
-            <a:r>
-              <a:rPr lang="en-US" dirty="0" err="1"/>
-              <a:t>i</a:t>
-            </a:r>
-            <a:r>
-              <a:rPr lang="en-US" dirty="0" err="1" smtClean="0"/>
-              <a:t>nt</a:t>
-            </a:r>
-            <a:r>
-              <a:rPr lang="en-US" dirty="0" smtClean="0"/>
-              <a:t> a; //global</a:t>
-            </a:r>
-          </a:p>
-          <a:p>
-            <a:pPr marL="137160" indent="0">
-              <a:buNone/>
-            </a:pPr>
-            <a:endParaRPr lang="en-US" dirty="0" smtClean="0"/>
-          </a:p>
-          <a:p>
-            <a:pPr marL="137160" indent="0">
-              <a:buNone/>
-            </a:pPr>
-            <a:r>
-              <a:rPr lang="en-US" dirty="0"/>
-              <a:t>v</a:t>
-            </a:r>
-            <a:r>
-              <a:rPr lang="en-US" dirty="0" smtClean="0"/>
-              <a:t>oid main()</a:t>
-            </a:r>
-          </a:p>
-          <a:p>
-            <a:pPr marL="137160" indent="0">
-              <a:buNone/>
-            </a:pPr>
-            <a:r>
-              <a:rPr lang="en-US" dirty="0" smtClean="0"/>
-              <a:t>{</a:t>
-            </a:r>
-          </a:p>
-          <a:p>
-            <a:pPr marL="457200" lvl="1" indent="0">
-              <a:buNone/>
-            </a:pPr>
-            <a:r>
-              <a:rPr lang="en-US" dirty="0" err="1"/>
-              <a:t>i</a:t>
-            </a:r>
-            <a:r>
-              <a:rPr lang="en-US" dirty="0" err="1" smtClean="0"/>
-              <a:t>nt</a:t>
-            </a:r>
-            <a:r>
-              <a:rPr lang="en-US" dirty="0" smtClean="0"/>
-              <a:t> b;  //local ,global for c and d scope</a:t>
-            </a:r>
-          </a:p>
-          <a:p>
-            <a:pPr marL="722376" lvl="2" indent="0">
-              <a:buNone/>
-            </a:pPr>
-            <a:r>
-              <a:rPr lang="en-US" dirty="0" smtClean="0"/>
-              <a:t>{</a:t>
-            </a:r>
-          </a:p>
-          <a:p>
-            <a:pPr marL="722376" lvl="2" indent="0">
-              <a:buNone/>
-            </a:pPr>
-            <a:r>
-              <a:rPr lang="en-US" dirty="0" smtClean="0"/>
-              <a:t>	</a:t>
-            </a:r>
-            <a:r>
-              <a:rPr lang="en-US" dirty="0" err="1"/>
-              <a:t>i</a:t>
-            </a:r>
-            <a:r>
-              <a:rPr lang="en-US" dirty="0" err="1" smtClean="0"/>
-              <a:t>nt</a:t>
-            </a:r>
-            <a:r>
-              <a:rPr lang="en-US" dirty="0" smtClean="0"/>
-              <a:t> c; </a:t>
-            </a:r>
-            <a:r>
-              <a:rPr lang="en-US" dirty="0"/>
-              <a:t>//local ,global for </a:t>
-            </a:r>
-            <a:r>
-              <a:rPr lang="en-US" dirty="0" smtClean="0"/>
-              <a:t>d </a:t>
-            </a:r>
-            <a:r>
-              <a:rPr lang="en-US" dirty="0"/>
-              <a:t>scope</a:t>
-            </a:r>
-          </a:p>
-          <a:p>
-            <a:pPr marL="722376" lvl="2" indent="0">
-              <a:buNone/>
-            </a:pPr>
-            <a:endParaRPr lang="en-US" dirty="0" smtClean="0"/>
-          </a:p>
-          <a:p>
-            <a:pPr marL="1133856" lvl="4" indent="0">
-              <a:buNone/>
-            </a:pPr>
-            <a:r>
-              <a:rPr lang="en-US" dirty="0" smtClean="0"/>
-              <a:t>{</a:t>
-            </a:r>
-          </a:p>
-          <a:p>
-            <a:pPr marL="1133856" lvl="4" indent="0">
-              <a:buNone/>
-            </a:pPr>
-            <a:r>
-              <a:rPr lang="en-US" dirty="0" smtClean="0"/>
-              <a:t>	</a:t>
-            </a:r>
-            <a:r>
-              <a:rPr lang="en-US" dirty="0" err="1"/>
-              <a:t>i</a:t>
-            </a:r>
-            <a:r>
-              <a:rPr lang="en-US" dirty="0" err="1" smtClean="0"/>
-              <a:t>nt</a:t>
-            </a:r>
-            <a:r>
-              <a:rPr lang="en-US" dirty="0" smtClean="0"/>
-              <a:t> d; </a:t>
-            </a:r>
-            <a:r>
-              <a:rPr lang="en-US" dirty="0"/>
-              <a:t>//</a:t>
-            </a:r>
-            <a:r>
-              <a:rPr lang="en-US" dirty="0" smtClean="0"/>
-              <a:t>local</a:t>
-            </a:r>
-          </a:p>
-          <a:p>
-            <a:pPr marL="1133856" lvl="4" indent="0">
-              <a:buNone/>
-            </a:pPr>
-            <a:r>
-              <a:rPr lang="en-US" dirty="0" smtClean="0"/>
-              <a:t>}</a:t>
-            </a:r>
-          </a:p>
-          <a:p>
-            <a:pPr marL="722376" lvl="2" indent="0">
-              <a:buNone/>
-            </a:pPr>
-            <a:r>
-              <a:rPr lang="en-US" dirty="0" smtClean="0"/>
-              <a:t>}</a:t>
-            </a:r>
-          </a:p>
-          <a:p>
-            <a:pPr marL="457200" lvl="1" indent="0">
-              <a:buNone/>
-            </a:pPr>
-            <a:r>
-              <a:rPr lang="en-US" dirty="0" err="1"/>
-              <a:t>i</a:t>
-            </a:r>
-            <a:r>
-              <a:rPr lang="en-US" dirty="0" err="1" smtClean="0"/>
-              <a:t>nt</a:t>
-            </a:r>
-            <a:r>
-              <a:rPr lang="en-US" dirty="0" smtClean="0"/>
-              <a:t> e; </a:t>
-            </a:r>
-            <a:r>
-              <a:rPr lang="en-US" dirty="0"/>
-              <a:t>//</a:t>
-            </a:r>
-            <a:r>
-              <a:rPr lang="en-US" dirty="0" smtClean="0"/>
-              <a:t>local</a:t>
-            </a:r>
-          </a:p>
-          <a:p>
-            <a:pPr marL="137160" indent="0">
-              <a:buNone/>
-            </a:pPr>
-            <a:r>
-              <a:rPr lang="en-US" dirty="0" smtClean="0"/>
-              <a:t>}</a:t>
-            </a:r>
-            <a:endParaRPr lang="en-US" dirty="0"/>
-          </a:p>
-          <a:p>
-            <a:endParaRPr lang="en-US" dirty="0" smtClean="0"/>
           </a:p>
         </p:txBody>
       </p:sp>
     </p:spTree>
     <p:extLst>
       <p:ext uri="{BB962C8B-B14F-4D97-AF65-F5344CB8AC3E}">
-        <p14:creationId xmlns:p14="http://schemas.microsoft.com/office/powerpoint/2010/main" val="2418973916"/>
+        <p14:creationId xmlns:p14="http://schemas.microsoft.com/office/powerpoint/2010/main" val="3283898978"/>
       </p:ext>
     </p:extLst>
   </p:cSld>
@@ -4675,19 +4683,7 @@
           <a:p>
             <a:r>
               <a:rPr lang="en-US" dirty="0" smtClean="0"/>
-              <a:t>Language</a:t>
-            </a:r>
-            <a:r>
-              <a:rPr lang="en-US" dirty="0" smtClean="0"/>
-              <a:t>? Set of words</a:t>
-            </a:r>
-            <a:r>
-              <a:rPr lang="en-US" dirty="0" smtClean="0"/>
-              <a:t>, sounds/symbols </a:t>
-            </a:r>
-            <a:r>
-              <a:rPr lang="en-US" dirty="0" smtClean="0"/>
-              <a:t>to communicate something</a:t>
+              <a:t>Language? Set of words, sounds/symbols to communicate something</a:t>
             </a:r>
           </a:p>
           <a:p>
@@ -4777,6 +4773,306 @@
 </file>
 
 <file path=ppt/slides/slide20.xml><?xml version="1.0" encoding="utf-8"?>
+<p:sld xmlns:a="http://schemas.openxmlformats.org/drawingml/2006/main" xmlns:r="http://schemas.openxmlformats.org/officeDocument/2006/relationships" xmlns:p="http://schemas.openxmlformats.org/presentationml/2006/main">
+  <p:cSld>
+    <p:spTree>
+      <p:nvGrpSpPr>
+        <p:cNvPr id="1" name=""/>
+        <p:cNvGrpSpPr/>
+        <p:nvPr/>
+      </p:nvGrpSpPr>
+      <p:grpSpPr>
+        <a:xfrm>
+          <a:off x="0" y="0"/>
+          <a:ext cx="0" cy="0"/>
+          <a:chOff x="0" y="0"/>
+          <a:chExt cx="0" cy="0"/>
+        </a:xfrm>
+      </p:grpSpPr>
+      <p:sp>
+        <p:nvSpPr>
+          <p:cNvPr id="2" name="Title 1"/>
+          <p:cNvSpPr>
+            <a:spLocks noGrp="1"/>
+          </p:cNvSpPr>
+          <p:nvPr>
+            <p:ph type="title"/>
+          </p:nvPr>
+        </p:nvSpPr>
+        <p:spPr/>
+        <p:txBody>
+          <a:bodyPr/>
+          <a:lstStyle/>
+          <a:p>
+            <a:r>
+              <a:rPr lang="en-US" dirty="0" smtClean="0"/>
+              <a:t>Local </a:t>
+            </a:r>
+            <a:r>
+              <a:rPr lang="en-US" dirty="0" err="1" smtClean="0"/>
+              <a:t>vs</a:t>
+            </a:r>
+            <a:r>
+              <a:rPr lang="en-US" dirty="0" smtClean="0"/>
+              <a:t> global variables</a:t>
+            </a:r>
+            <a:endParaRPr lang="en-US" dirty="0"/>
+          </a:p>
+        </p:txBody>
+      </p:sp>
+      <p:sp>
+        <p:nvSpPr>
+          <p:cNvPr id="3" name="Content Placeholder 2"/>
+          <p:cNvSpPr>
+            <a:spLocks noGrp="1"/>
+          </p:cNvSpPr>
+          <p:nvPr>
+            <p:ph idx="1"/>
+          </p:nvPr>
+        </p:nvSpPr>
+        <p:spPr/>
+        <p:txBody>
+          <a:bodyPr>
+            <a:normAutofit fontScale="70000" lnSpcReduction="20000"/>
+          </a:bodyPr>
+          <a:lstStyle/>
+          <a:p>
+            <a:r>
+              <a:rPr lang="en-US" dirty="0" smtClean="0"/>
+              <a:t>Declaration,</a:t>
+            </a:r>
+            <a:r>
+              <a:rPr lang="en-US" dirty="0"/>
+              <a:t> </a:t>
+            </a:r>
+            <a:r>
+              <a:rPr lang="en-US" dirty="0" smtClean="0"/>
+              <a:t>Definition, initialization</a:t>
+            </a:r>
+          </a:p>
+          <a:p>
+            <a:endParaRPr lang="en-US" dirty="0"/>
+          </a:p>
+          <a:p>
+            <a:pPr marL="137160" indent="0">
+              <a:buNone/>
+            </a:pPr>
+            <a:r>
+              <a:rPr lang="en-US" dirty="0" err="1"/>
+              <a:t>i</a:t>
+            </a:r>
+            <a:r>
+              <a:rPr lang="en-US" dirty="0" err="1" smtClean="0"/>
+              <a:t>nt</a:t>
+            </a:r>
+            <a:r>
+              <a:rPr lang="en-US" dirty="0" smtClean="0"/>
+              <a:t> a; //global</a:t>
+            </a:r>
+          </a:p>
+          <a:p>
+            <a:pPr marL="137160" indent="0">
+              <a:buNone/>
+            </a:pPr>
+            <a:endParaRPr lang="en-US" dirty="0" smtClean="0"/>
+          </a:p>
+          <a:p>
+            <a:pPr marL="137160" indent="0">
+              <a:buNone/>
+            </a:pPr>
+            <a:r>
+              <a:rPr lang="en-US" dirty="0"/>
+              <a:t>v</a:t>
+            </a:r>
+            <a:r>
+              <a:rPr lang="en-US" dirty="0" smtClean="0"/>
+              <a:t>oid main()</a:t>
+            </a:r>
+          </a:p>
+          <a:p>
+            <a:pPr marL="137160" indent="0">
+              <a:buNone/>
+            </a:pPr>
+            <a:r>
+              <a:rPr lang="en-US" dirty="0" smtClean="0"/>
+              <a:t>{</a:t>
+            </a:r>
+          </a:p>
+          <a:p>
+            <a:pPr marL="457200" lvl="1" indent="0">
+              <a:buNone/>
+            </a:pPr>
+            <a:r>
+              <a:rPr lang="en-US" dirty="0" err="1"/>
+              <a:t>i</a:t>
+            </a:r>
+            <a:r>
+              <a:rPr lang="en-US" dirty="0" err="1" smtClean="0"/>
+              <a:t>nt</a:t>
+            </a:r>
+            <a:r>
+              <a:rPr lang="en-US" dirty="0" smtClean="0"/>
+              <a:t> b;  //local ,global for c and d scope</a:t>
+            </a:r>
+          </a:p>
+          <a:p>
+            <a:pPr marL="722376" lvl="2" indent="0">
+              <a:buNone/>
+            </a:pPr>
+            <a:r>
+              <a:rPr lang="en-US" dirty="0" smtClean="0"/>
+              <a:t>{</a:t>
+            </a:r>
+          </a:p>
+          <a:p>
+            <a:pPr marL="722376" lvl="2" indent="0">
+              <a:buNone/>
+            </a:pPr>
+            <a:r>
+              <a:rPr lang="en-US" dirty="0" smtClean="0"/>
+              <a:t>	</a:t>
+            </a:r>
+            <a:r>
+              <a:rPr lang="en-US" dirty="0" err="1"/>
+              <a:t>i</a:t>
+            </a:r>
+            <a:r>
+              <a:rPr lang="en-US" dirty="0" err="1" smtClean="0"/>
+              <a:t>nt</a:t>
+            </a:r>
+            <a:r>
+              <a:rPr lang="en-US" dirty="0" smtClean="0"/>
+              <a:t> c; </a:t>
+            </a:r>
+            <a:r>
+              <a:rPr lang="en-US" dirty="0"/>
+              <a:t>//local ,global for </a:t>
+            </a:r>
+            <a:r>
+              <a:rPr lang="en-US" dirty="0" smtClean="0"/>
+              <a:t>d </a:t>
+            </a:r>
+            <a:r>
+              <a:rPr lang="en-US" dirty="0"/>
+              <a:t>scope</a:t>
+            </a:r>
+          </a:p>
+          <a:p>
+            <a:pPr marL="722376" lvl="2" indent="0">
+              <a:buNone/>
+            </a:pPr>
+            <a:endParaRPr lang="en-US" dirty="0" smtClean="0"/>
+          </a:p>
+          <a:p>
+            <a:pPr marL="1133856" lvl="4" indent="0">
+              <a:buNone/>
+            </a:pPr>
+            <a:r>
+              <a:rPr lang="en-US" dirty="0" smtClean="0"/>
+              <a:t>{</a:t>
+            </a:r>
+          </a:p>
+          <a:p>
+            <a:pPr marL="1133856" lvl="4" indent="0">
+              <a:buNone/>
+            </a:pPr>
+            <a:r>
+              <a:rPr lang="en-US" dirty="0" smtClean="0"/>
+              <a:t>	</a:t>
+            </a:r>
+            <a:r>
+              <a:rPr lang="en-US" dirty="0" err="1"/>
+              <a:t>i</a:t>
+            </a:r>
+            <a:r>
+              <a:rPr lang="en-US" dirty="0" err="1" smtClean="0"/>
+              <a:t>nt</a:t>
+            </a:r>
+            <a:r>
+              <a:rPr lang="en-US" dirty="0" smtClean="0"/>
+              <a:t> d; </a:t>
+            </a:r>
+            <a:r>
+              <a:rPr lang="en-US" dirty="0"/>
+              <a:t>//</a:t>
+            </a:r>
+            <a:r>
+              <a:rPr lang="en-US" dirty="0" smtClean="0"/>
+              <a:t>local</a:t>
+            </a:r>
+          </a:p>
+          <a:p>
+            <a:pPr marL="1133856" lvl="4" indent="0">
+              <a:buNone/>
+            </a:pPr>
+            <a:r>
+              <a:rPr lang="en-US" dirty="0" smtClean="0"/>
+              <a:t>}</a:t>
+            </a:r>
+          </a:p>
+          <a:p>
+            <a:pPr marL="722376" lvl="2" indent="0">
+              <a:buNone/>
+            </a:pPr>
+            <a:r>
+              <a:rPr lang="en-US" dirty="0" smtClean="0"/>
+              <a:t>}</a:t>
+            </a:r>
+          </a:p>
+          <a:p>
+            <a:pPr marL="457200" lvl="1" indent="0">
+              <a:buNone/>
+            </a:pPr>
+            <a:r>
+              <a:rPr lang="en-US" dirty="0" err="1"/>
+              <a:t>i</a:t>
+            </a:r>
+            <a:r>
+              <a:rPr lang="en-US" dirty="0" err="1" smtClean="0"/>
+              <a:t>nt</a:t>
+            </a:r>
+            <a:r>
+              <a:rPr lang="en-US" dirty="0" smtClean="0"/>
+              <a:t> e; </a:t>
+            </a:r>
+            <a:r>
+              <a:rPr lang="en-US" dirty="0"/>
+              <a:t>//</a:t>
+            </a:r>
+            <a:r>
+              <a:rPr lang="en-US" dirty="0" smtClean="0"/>
+              <a:t>local</a:t>
+            </a:r>
+          </a:p>
+          <a:p>
+            <a:pPr marL="137160" indent="0">
+              <a:buNone/>
+            </a:pPr>
+            <a:r>
+              <a:rPr lang="en-US" dirty="0" smtClean="0"/>
+              <a:t>}</a:t>
+            </a:r>
+            <a:endParaRPr lang="en-US" dirty="0"/>
+          </a:p>
+          <a:p>
+            <a:endParaRPr lang="en-US" dirty="0" smtClean="0"/>
+          </a:p>
+        </p:txBody>
+      </p:sp>
+    </p:spTree>
+    <p:extLst>
+      <p:ext uri="{BB962C8B-B14F-4D97-AF65-F5344CB8AC3E}">
+        <p14:creationId xmlns:p14="http://schemas.microsoft.com/office/powerpoint/2010/main" val="2418973916"/>
+      </p:ext>
+    </p:extLst>
+  </p:cSld>
+  <p:clrMapOvr>
+    <a:masterClrMapping/>
+  </p:clrMapOvr>
+</p:sld>
+</file>
+
+<file path=ppt/slides/slide21.xml><?xml version="1.0" encoding="utf-8"?>
 <p:sld xmlns:a="http://schemas.openxmlformats.org/drawingml/2006/main" xmlns:r="http://schemas.openxmlformats.org/officeDocument/2006/relationships" xmlns:p="http://schemas.openxmlformats.org/presentationml/2006/main">
   <p:cSld>
     <p:spTree>
@@ -4912,7 +5208,7 @@
 </p:sld>
 </file>
 
-<file path=ppt/slides/slide21.xml><?xml version="1.0" encoding="utf-8"?>
+<file path=ppt/slides/slide22.xml><?xml version="1.0" encoding="utf-8"?>
 <p:sld xmlns:a="http://schemas.openxmlformats.org/drawingml/2006/main" xmlns:r="http://schemas.openxmlformats.org/officeDocument/2006/relationships" xmlns:p="http://schemas.openxmlformats.org/presentationml/2006/main">
   <p:cSld>
     <p:spTree>
@@ -5172,7 +5468,7 @@
 </p:sld>
 </file>
 
-<file path=ppt/slides/slide22.xml><?xml version="1.0" encoding="utf-8"?>
+<file path=ppt/slides/slide23.xml><?xml version="1.0" encoding="utf-8"?>
 <p:sld xmlns:a="http://schemas.openxmlformats.org/drawingml/2006/main" xmlns:r="http://schemas.openxmlformats.org/officeDocument/2006/relationships" xmlns:p="http://schemas.openxmlformats.org/presentationml/2006/main">
   <p:cSld>
     <p:spTree>
@@ -5262,7 +5558,7 @@
 </p:sld>
 </file>
 
-<file path=ppt/slides/slide23.xml><?xml version="1.0" encoding="utf-8"?>
+<file path=ppt/slides/slide24.xml><?xml version="1.0" encoding="utf-8"?>
 <p:sld xmlns:a="http://schemas.openxmlformats.org/drawingml/2006/main" xmlns:r="http://schemas.openxmlformats.org/officeDocument/2006/relationships" xmlns:p="http://schemas.openxmlformats.org/presentationml/2006/main">
   <p:cSld>
     <p:spTree>
@@ -5795,15 +6091,7 @@
           <a:p>
             <a:r>
               <a:rPr lang="en-US" dirty="0" smtClean="0"/>
-              <a:t>Unary </a:t>
-            </a:r>
-            <a:r>
-              <a:rPr lang="en-US" dirty="0" smtClean="0"/>
-              <a:t>( increment, decrement </a:t>
-            </a:r>
-            <a:r>
-              <a:rPr lang="en-US" dirty="0" smtClean="0"/>
-              <a:t>operator)</a:t>
+              <a:t>Unary ( increment, decrement operator)</a:t>
             </a:r>
           </a:p>
           <a:p>
@@ -5819,16 +6107,11 @@
               <a:rPr lang="en-US" dirty="0" smtClean="0"/>
               <a:t> operators)</a:t>
             </a:r>
-            <a:endParaRPr lang="en-US" dirty="0" smtClean="0"/>
-          </a:p>
-          <a:p>
-            <a:r>
-              <a:rPr lang="en-US" dirty="0" smtClean="0"/>
-              <a:t>Ternary –conditional operator </a:t>
-            </a:r>
-            <a:r>
-              <a:rPr lang="en-US" dirty="0" smtClean="0"/>
-              <a:t>(?:)</a:t>
+          </a:p>
+          <a:p>
+            <a:r>
+              <a:rPr lang="en-US" dirty="0" smtClean="0"/>
+              <a:t>Ternary –conditional operator (?:)</a:t>
             </a:r>
           </a:p>
           <a:p>
@@ -5847,7 +6130,6 @@
               <a:rPr lang="en-US" dirty="0" smtClean="0"/>
               <a:t>()</a:t>
             </a:r>
-            <a:endParaRPr lang="en-US" dirty="0" smtClean="0"/>
           </a:p>
           <a:p>
             <a:endParaRPr lang="en-US" dirty="0"/>

--- a/PPT/Intro_C_Program.pptx
+++ b/PPT/Intro_C_Program.pptx
@@ -8,27 +8,28 @@
     <p:sldId id="256" r:id="rId2"/>
     <p:sldId id="257" r:id="rId3"/>
     <p:sldId id="258" r:id="rId4"/>
-    <p:sldId id="259" r:id="rId5"/>
-    <p:sldId id="260" r:id="rId6"/>
-    <p:sldId id="261" r:id="rId7"/>
-    <p:sldId id="275" r:id="rId8"/>
-    <p:sldId id="274" r:id="rId9"/>
-    <p:sldId id="262" r:id="rId10"/>
-    <p:sldId id="276" r:id="rId11"/>
-    <p:sldId id="264" r:id="rId12"/>
-    <p:sldId id="263" r:id="rId13"/>
-    <p:sldId id="265" r:id="rId14"/>
-    <p:sldId id="269" r:id="rId15"/>
-    <p:sldId id="270" r:id="rId16"/>
-    <p:sldId id="272" r:id="rId17"/>
-    <p:sldId id="279" r:id="rId18"/>
-    <p:sldId id="280" r:id="rId19"/>
-    <p:sldId id="266" r:id="rId20"/>
-    <p:sldId id="268" r:id="rId21"/>
-    <p:sldId id="267" r:id="rId22"/>
-    <p:sldId id="277" r:id="rId23"/>
-    <p:sldId id="278" r:id="rId24"/>
-    <p:sldId id="273" r:id="rId25"/>
+    <p:sldId id="281" r:id="rId5"/>
+    <p:sldId id="259" r:id="rId6"/>
+    <p:sldId id="260" r:id="rId7"/>
+    <p:sldId id="261" r:id="rId8"/>
+    <p:sldId id="275" r:id="rId9"/>
+    <p:sldId id="274" r:id="rId10"/>
+    <p:sldId id="262" r:id="rId11"/>
+    <p:sldId id="276" r:id="rId12"/>
+    <p:sldId id="264" r:id="rId13"/>
+    <p:sldId id="263" r:id="rId14"/>
+    <p:sldId id="265" r:id="rId15"/>
+    <p:sldId id="269" r:id="rId16"/>
+    <p:sldId id="270" r:id="rId17"/>
+    <p:sldId id="272" r:id="rId18"/>
+    <p:sldId id="279" r:id="rId19"/>
+    <p:sldId id="280" r:id="rId20"/>
+    <p:sldId id="266" r:id="rId21"/>
+    <p:sldId id="268" r:id="rId22"/>
+    <p:sldId id="267" r:id="rId23"/>
+    <p:sldId id="277" r:id="rId24"/>
+    <p:sldId id="278" r:id="rId25"/>
+    <p:sldId id="273" r:id="rId26"/>
   </p:sldIdLst>
   <p:sldSz cx="9144000" cy="6858000" type="screen4x3"/>
   <p:notesSz cx="6858000" cy="9144000"/>
@@ -242,7 +243,7 @@
             <a:fld id="{1D8BD707-D9CF-40AE-B4C6-C98DA3205C09}" type="datetimeFigureOut">
               <a:rPr lang="en-US" smtClean="0"/>
               <a:pPr/>
-              <a:t>05-Nov-20</a:t>
+              <a:t>10-Nov-20</a:t>
             </a:fld>
             <a:endParaRPr lang="en-US"/>
           </a:p>
@@ -470,7 +471,7 @@
             <a:fld id="{1D8BD707-D9CF-40AE-B4C6-C98DA3205C09}" type="datetimeFigureOut">
               <a:rPr lang="en-US" smtClean="0"/>
               <a:pPr/>
-              <a:t>05-Nov-20</a:t>
+              <a:t>10-Nov-20</a:t>
             </a:fld>
             <a:endParaRPr lang="en-US"/>
           </a:p>
@@ -647,7 +648,7 @@
             <a:fld id="{1D8BD707-D9CF-40AE-B4C6-C98DA3205C09}" type="datetimeFigureOut">
               <a:rPr lang="en-US" smtClean="0"/>
               <a:pPr/>
-              <a:t>05-Nov-20</a:t>
+              <a:t>10-Nov-20</a:t>
             </a:fld>
             <a:endParaRPr lang="en-US"/>
           </a:p>
@@ -814,7 +815,7 @@
             <a:fld id="{1D8BD707-D9CF-40AE-B4C6-C98DA3205C09}" type="datetimeFigureOut">
               <a:rPr lang="en-US" smtClean="0"/>
               <a:pPr/>
-              <a:t>05-Nov-20</a:t>
+              <a:t>10-Nov-20</a:t>
             </a:fld>
             <a:endParaRPr lang="en-US"/>
           </a:p>
@@ -1060,7 +1061,7 @@
             <a:fld id="{1D8BD707-D9CF-40AE-B4C6-C98DA3205C09}" type="datetimeFigureOut">
               <a:rPr lang="en-US" smtClean="0"/>
               <a:pPr/>
-              <a:t>05-Nov-20</a:t>
+              <a:t>10-Nov-20</a:t>
             </a:fld>
             <a:endParaRPr lang="en-US"/>
           </a:p>
@@ -1326,7 +1327,7 @@
             <a:fld id="{1D8BD707-D9CF-40AE-B4C6-C98DA3205C09}" type="datetimeFigureOut">
               <a:rPr lang="en-US" smtClean="0"/>
               <a:pPr/>
-              <a:t>05-Nov-20</a:t>
+              <a:t>10-Nov-20</a:t>
             </a:fld>
             <a:endParaRPr lang="en-US"/>
           </a:p>
@@ -1702,7 +1703,7 @@
             <a:fld id="{1D8BD707-D9CF-40AE-B4C6-C98DA3205C09}" type="datetimeFigureOut">
               <a:rPr lang="en-US" smtClean="0"/>
               <a:pPr/>
-              <a:t>05-Nov-20</a:t>
+              <a:t>10-Nov-20</a:t>
             </a:fld>
             <a:endParaRPr lang="en-US"/>
           </a:p>
@@ -1817,7 +1818,7 @@
             <a:fld id="{1D8BD707-D9CF-40AE-B4C6-C98DA3205C09}" type="datetimeFigureOut">
               <a:rPr lang="en-US" smtClean="0"/>
               <a:pPr/>
-              <a:t>05-Nov-20</a:t>
+              <a:t>10-Nov-20</a:t>
             </a:fld>
             <a:endParaRPr lang="en-US"/>
           </a:p>
@@ -1909,7 +1910,7 @@
             <a:fld id="{1D8BD707-D9CF-40AE-B4C6-C98DA3205C09}" type="datetimeFigureOut">
               <a:rPr lang="en-US" smtClean="0"/>
               <a:pPr/>
-              <a:t>05-Nov-20</a:t>
+              <a:t>10-Nov-20</a:t>
             </a:fld>
             <a:endParaRPr lang="en-US"/>
           </a:p>
@@ -2169,7 +2170,7 @@
             <a:fld id="{1D8BD707-D9CF-40AE-B4C6-C98DA3205C09}" type="datetimeFigureOut">
               <a:rPr lang="en-US" smtClean="0"/>
               <a:pPr/>
-              <a:t>05-Nov-20</a:t>
+              <a:t>10-Nov-20</a:t>
             </a:fld>
             <a:endParaRPr lang="en-US"/>
           </a:p>
@@ -2435,7 +2436,7 @@
             <a:fld id="{1D8BD707-D9CF-40AE-B4C6-C98DA3205C09}" type="datetimeFigureOut">
               <a:rPr lang="en-US" smtClean="0"/>
               <a:pPr/>
-              <a:t>05-Nov-20</a:t>
+              <a:t>10-Nov-20</a:t>
             </a:fld>
             <a:endParaRPr lang="en-US"/>
           </a:p>
@@ -2654,7 +2655,7 @@
             <a:fld id="{1D8BD707-D9CF-40AE-B4C6-C98DA3205C09}" type="datetimeFigureOut">
               <a:rPr lang="en-US" smtClean="0"/>
               <a:pPr/>
-              <a:t>05-Nov-20</a:t>
+              <a:t>10-Nov-20</a:t>
             </a:fld>
             <a:endParaRPr lang="en-US"/>
           </a:p>
@@ -3150,6 +3151,148 @@
         </p:nvSpPr>
         <p:spPr>
           <a:xfrm>
+            <a:off x="457200" y="-381000"/>
+            <a:ext cx="8229600" cy="990600"/>
+          </a:xfrm>
+        </p:spPr>
+        <p:txBody>
+          <a:bodyPr/>
+          <a:lstStyle/>
+          <a:p>
+            <a:r>
+              <a:rPr lang="en-US" dirty="0" smtClean="0"/>
+              <a:t>Data types  </a:t>
+            </a:r>
+            <a:endParaRPr lang="en-US" dirty="0"/>
+          </a:p>
+        </p:txBody>
+      </p:sp>
+      <p:sp>
+        <p:nvSpPr>
+          <p:cNvPr id="3" name="Content Placeholder 2"/>
+          <p:cNvSpPr>
+            <a:spLocks noGrp="1"/>
+          </p:cNvSpPr>
+          <p:nvPr>
+            <p:ph idx="1"/>
+          </p:nvPr>
+        </p:nvSpPr>
+        <p:spPr>
+          <a:xfrm>
+            <a:off x="457200" y="457200"/>
+            <a:ext cx="8229600" cy="5852160"/>
+          </a:xfrm>
+        </p:spPr>
+        <p:txBody>
+          <a:bodyPr/>
+          <a:lstStyle/>
+          <a:p>
+            <a:r>
+              <a:rPr lang="en-US" dirty="0" smtClean="0"/>
+              <a:t>Primary –</a:t>
+            </a:r>
+            <a:r>
+              <a:rPr lang="en-US" dirty="0" err="1" smtClean="0"/>
+              <a:t>int,float,char,void</a:t>
+            </a:r>
+            <a:endParaRPr lang="en-US" dirty="0" smtClean="0"/>
+          </a:p>
+          <a:p>
+            <a:r>
+              <a:rPr lang="en-US" dirty="0" smtClean="0"/>
+              <a:t>Derived –</a:t>
+            </a:r>
+            <a:r>
+              <a:rPr lang="en-US" dirty="0" err="1" smtClean="0"/>
+              <a:t>array,pointers</a:t>
+            </a:r>
+            <a:endParaRPr lang="en-US" dirty="0" smtClean="0"/>
+          </a:p>
+          <a:p>
+            <a:r>
+              <a:rPr lang="en-US" dirty="0" smtClean="0"/>
+              <a:t>User define –</a:t>
+            </a:r>
+            <a:r>
+              <a:rPr lang="en-US" dirty="0" err="1" smtClean="0"/>
+              <a:t>structure,union,enumeration,typedef</a:t>
+            </a:r>
+            <a:endParaRPr lang="en-US" dirty="0"/>
+          </a:p>
+        </p:txBody>
+      </p:sp>
+      <p:pic>
+        <p:nvPicPr>
+          <p:cNvPr id="4" name="Picture 3"/>
+          <p:cNvPicPr>
+            <a:picLocks noChangeAspect="1"/>
+          </p:cNvPicPr>
+          <p:nvPr/>
+        </p:nvPicPr>
+        <p:blipFill>
+          <a:blip r:embed="rId2">
+            <a:extLst>
+              <a:ext uri="{28A0092B-C50C-407E-A947-70E740481C1C}">
+                <a14:useLocalDpi xmlns:a14="http://schemas.microsoft.com/office/drawing/2010/main" val="0"/>
+              </a:ext>
+            </a:extLst>
+          </a:blip>
+          <a:stretch>
+            <a:fillRect/>
+          </a:stretch>
+        </p:blipFill>
+        <p:spPr>
+          <a:xfrm>
+            <a:off x="2079171" y="2514600"/>
+            <a:ext cx="5734050" cy="4171950"/>
+          </a:xfrm>
+          <a:prstGeom prst="rect">
+            <a:avLst/>
+          </a:prstGeom>
+        </p:spPr>
+      </p:pic>
+    </p:spTree>
+    <p:extLst>
+      <p:ext uri="{BB962C8B-B14F-4D97-AF65-F5344CB8AC3E}">
+        <p14:creationId xmlns:p14="http://schemas.microsoft.com/office/powerpoint/2010/main" val="2807827187"/>
+      </p:ext>
+    </p:extLst>
+  </p:cSld>
+  <p:clrMapOvr>
+    <a:masterClrMapping/>
+  </p:clrMapOvr>
+</p:sld>
+</file>
+
+<file path=ppt/slides/slide11.xml><?xml version="1.0" encoding="utf-8"?>
+<p:sld xmlns:a="http://schemas.openxmlformats.org/drawingml/2006/main" xmlns:r="http://schemas.openxmlformats.org/officeDocument/2006/relationships" xmlns:p="http://schemas.openxmlformats.org/presentationml/2006/main">
+  <p:cSld>
+    <p:spTree>
+      <p:nvGrpSpPr>
+        <p:cNvPr id="1" name=""/>
+        <p:cNvGrpSpPr/>
+        <p:nvPr/>
+      </p:nvGrpSpPr>
+      <p:grpSpPr>
+        <a:xfrm>
+          <a:off x="0" y="0"/>
+          <a:ext cx="0" cy="0"/>
+          <a:chOff x="0" y="0"/>
+          <a:chExt cx="0" cy="0"/>
+        </a:xfrm>
+      </p:grpSpPr>
+      <p:sp>
+        <p:nvSpPr>
+          <p:cNvPr id="2" name="Title 1"/>
+          <p:cNvSpPr>
+            <a:spLocks noGrp="1"/>
+          </p:cNvSpPr>
+          <p:nvPr>
+            <p:ph type="title"/>
+          </p:nvPr>
+        </p:nvSpPr>
+        <p:spPr>
+          <a:xfrm>
             <a:off x="457200" y="0"/>
             <a:ext cx="8229600" cy="838200"/>
           </a:xfrm>
@@ -3208,101 +3351,6 @@
 </p:sld>
 </file>
 
-<file path=ppt/slides/slide11.xml><?xml version="1.0" encoding="utf-8"?>
-<p:sld xmlns:a="http://schemas.openxmlformats.org/drawingml/2006/main" xmlns:r="http://schemas.openxmlformats.org/officeDocument/2006/relationships" xmlns:p="http://schemas.openxmlformats.org/presentationml/2006/main">
-  <p:cSld>
-    <p:spTree>
-      <p:nvGrpSpPr>
-        <p:cNvPr id="1" name=""/>
-        <p:cNvGrpSpPr/>
-        <p:nvPr/>
-      </p:nvGrpSpPr>
-      <p:grpSpPr>
-        <a:xfrm>
-          <a:off x="0" y="0"/>
-          <a:ext cx="0" cy="0"/>
-          <a:chOff x="0" y="0"/>
-          <a:chExt cx="0" cy="0"/>
-        </a:xfrm>
-      </p:grpSpPr>
-      <p:sp>
-        <p:nvSpPr>
-          <p:cNvPr id="2" name="Title 1"/>
-          <p:cNvSpPr>
-            <a:spLocks noGrp="1"/>
-          </p:cNvSpPr>
-          <p:nvPr>
-            <p:ph type="title"/>
-          </p:nvPr>
-        </p:nvSpPr>
-        <p:spPr/>
-        <p:txBody>
-          <a:bodyPr/>
-          <a:lstStyle/>
-          <a:p>
-            <a:r>
-              <a:rPr lang="en-US" dirty="0" smtClean="0"/>
-              <a:t>Qualifiers/modifiers</a:t>
-            </a:r>
-            <a:endParaRPr lang="en-US" dirty="0"/>
-          </a:p>
-        </p:txBody>
-      </p:sp>
-      <p:sp>
-        <p:nvSpPr>
-          <p:cNvPr id="3" name="Content Placeholder 2"/>
-          <p:cNvSpPr>
-            <a:spLocks noGrp="1"/>
-          </p:cNvSpPr>
-          <p:nvPr>
-            <p:ph idx="1"/>
-          </p:nvPr>
-        </p:nvSpPr>
-        <p:spPr/>
-        <p:txBody>
-          <a:bodyPr/>
-          <a:lstStyle/>
-          <a:p>
-            <a:r>
-              <a:rPr lang="en-US" dirty="0" smtClean="0"/>
-              <a:t>Signed –</a:t>
-            </a:r>
-            <a:r>
-              <a:rPr lang="en-US" dirty="0" err="1" smtClean="0"/>
-              <a:t>signed,unsigned</a:t>
-            </a:r>
-            <a:endParaRPr lang="en-US" dirty="0" smtClean="0"/>
-          </a:p>
-          <a:p>
-            <a:r>
-              <a:rPr lang="en-US" dirty="0" smtClean="0"/>
-              <a:t>Sized– </a:t>
-            </a:r>
-            <a:r>
-              <a:rPr lang="en-US" dirty="0" err="1" smtClean="0"/>
-              <a:t>short,long,long</a:t>
-            </a:r>
-            <a:r>
-              <a:rPr lang="en-US" dirty="0" smtClean="0"/>
-              <a:t> long</a:t>
-            </a:r>
-            <a:endParaRPr lang="en-US" dirty="0"/>
-          </a:p>
-        </p:txBody>
-      </p:sp>
-    </p:spTree>
-    <p:extLst>
-      <p:ext uri="{BB962C8B-B14F-4D97-AF65-F5344CB8AC3E}">
-        <p14:creationId xmlns:p14="http://schemas.microsoft.com/office/powerpoint/2010/main" val="243727857"/>
-      </p:ext>
-    </p:extLst>
-  </p:cSld>
-  <p:clrMapOvr>
-    <a:masterClrMapping/>
-  </p:clrMapOvr>
-</p:sld>
-</file>
-
 <file path=ppt/slides/slide12.xml><?xml version="1.0" encoding="utf-8"?>
 <p:sld xmlns:a="http://schemas.openxmlformats.org/drawingml/2006/main" xmlns:r="http://schemas.openxmlformats.org/officeDocument/2006/relationships" xmlns:p="http://schemas.openxmlformats.org/presentationml/2006/main">
   <p:cSld>
@@ -3332,14 +3380,12 @@
         </p:nvSpPr>
         <p:spPr/>
         <p:txBody>
-          <a:bodyPr>
-            <a:normAutofit/>
-          </a:bodyPr>
-          <a:lstStyle/>
-          <a:p>
-            <a:r>
-              <a:rPr lang="en-US" dirty="0" smtClean="0"/>
-              <a:t>Type conversion/type cast</a:t>
+          <a:bodyPr/>
+          <a:lstStyle/>
+          <a:p>
+            <a:r>
+              <a:rPr lang="en-US" dirty="0" smtClean="0"/>
+              <a:t>Qualifiers/modifiers</a:t>
             </a:r>
             <a:endParaRPr lang="en-US" dirty="0"/>
           </a:p>
@@ -3362,120 +3408,35 @@
           <a:p>
             <a:r>
               <a:rPr lang="en-US" dirty="0" smtClean="0"/>
-              <a:t>Implicit type conversion</a:t>
-            </a:r>
-          </a:p>
-          <a:p>
-            <a:pPr lvl="1"/>
-            <a:r>
-              <a:rPr lang="en-US" dirty="0" err="1"/>
-              <a:t>i</a:t>
+              <a:t>Signed –</a:t>
             </a:r>
             <a:r>
               <a:rPr lang="en-US" dirty="0" err="1" smtClean="0"/>
-              <a:t>nt</a:t>
-            </a:r>
-            <a:r>
-              <a:rPr lang="en-US" dirty="0" smtClean="0"/>
-              <a:t> a=5;</a:t>
-            </a:r>
-          </a:p>
-          <a:p>
-            <a:pPr lvl="1"/>
-            <a:r>
-              <a:rPr lang="en-US" dirty="0"/>
-              <a:t>f</a:t>
-            </a:r>
-            <a:r>
-              <a:rPr lang="en-US" dirty="0" smtClean="0"/>
-              <a:t>loat b=a;</a:t>
-            </a:r>
-          </a:p>
-          <a:p>
-            <a:pPr lvl="1"/>
-            <a:r>
-              <a:rPr lang="en-US" dirty="0" err="1"/>
-              <a:t>p</a:t>
+              <a:t>signed,unsigned</a:t>
+            </a:r>
+            <a:endParaRPr lang="en-US" dirty="0" smtClean="0"/>
+          </a:p>
+          <a:p>
+            <a:r>
+              <a:rPr lang="en-US" dirty="0" smtClean="0"/>
+              <a:t>Sized– </a:t>
             </a:r>
             <a:r>
               <a:rPr lang="en-US" dirty="0" err="1" smtClean="0"/>
-              <a:t>f</a:t>
-            </a:r>
-            <a:r>
-              <a:rPr lang="en-US" dirty="0" smtClean="0"/>
-              <a:t>(“%</a:t>
-            </a:r>
-            <a:r>
-              <a:rPr lang="en-US" dirty="0" err="1" smtClean="0"/>
-              <a:t>f”,b</a:t>
-            </a:r>
-            <a:r>
-              <a:rPr lang="en-US" dirty="0" smtClean="0"/>
-              <a:t>); //implicit conversion</a:t>
-            </a:r>
-          </a:p>
-          <a:p>
-            <a:r>
-              <a:rPr lang="en-US" dirty="0" smtClean="0"/>
-              <a:t>Explicit type conversion</a:t>
-            </a:r>
-          </a:p>
-          <a:p>
-            <a:pPr lvl="1"/>
-            <a:r>
-              <a:rPr lang="en-US" dirty="0" err="1" smtClean="0"/>
-              <a:t>int</a:t>
-            </a:r>
-            <a:r>
-              <a:rPr lang="en-US" dirty="0" smtClean="0"/>
-              <a:t> </a:t>
-            </a:r>
-            <a:r>
-              <a:rPr lang="en-US" dirty="0"/>
-              <a:t>a=5;</a:t>
-            </a:r>
-          </a:p>
-          <a:p>
-            <a:pPr lvl="1"/>
-            <a:r>
-              <a:rPr lang="en-US" dirty="0" smtClean="0"/>
-              <a:t>float </a:t>
-            </a:r>
-            <a:r>
-              <a:rPr lang="en-US" dirty="0"/>
-              <a:t>b</a:t>
-            </a:r>
-            <a:r>
-              <a:rPr lang="en-US" dirty="0" smtClean="0"/>
-              <a:t>=(float)a; //explicit conversion</a:t>
+              <a:t>short,long,long</a:t>
+            </a:r>
+            <a:r>
+              <a:rPr lang="en-US" dirty="0" smtClean="0"/>
+              <a:t> long</a:t>
             </a:r>
             <a:endParaRPr lang="en-US" dirty="0"/>
-          </a:p>
-          <a:p>
-            <a:pPr lvl="1"/>
-            <a:r>
-              <a:rPr lang="en-US" dirty="0" err="1" smtClean="0"/>
-              <a:t>pf</a:t>
-            </a:r>
-            <a:r>
-              <a:rPr lang="en-US" dirty="0"/>
-              <a:t>(“%</a:t>
-            </a:r>
-            <a:r>
-              <a:rPr lang="en-US" dirty="0" err="1"/>
-              <a:t>f”,b</a:t>
-            </a:r>
-            <a:r>
-              <a:rPr lang="en-US" dirty="0"/>
-              <a:t>); </a:t>
-            </a:r>
           </a:p>
         </p:txBody>
       </p:sp>
     </p:spTree>
     <p:extLst>
       <p:ext uri="{BB962C8B-B14F-4D97-AF65-F5344CB8AC3E}">
-        <p14:creationId xmlns:p14="http://schemas.microsoft.com/office/powerpoint/2010/main" val="2383573891"/>
+        <p14:creationId xmlns:p14="http://schemas.microsoft.com/office/powerpoint/2010/main" val="243727857"/>
       </p:ext>
     </p:extLst>
   </p:cSld>
@@ -3514,163 +3475,150 @@
         </p:nvSpPr>
         <p:spPr/>
         <p:txBody>
-          <a:bodyPr/>
-          <a:lstStyle/>
-          <a:p>
-            <a:r>
-              <a:rPr lang="en-US" dirty="0" smtClean="0"/>
-              <a:t>Basic c program structure</a:t>
-            </a:r>
-            <a:endParaRPr lang="en-US" dirty="0"/>
-          </a:p>
-        </p:txBody>
-      </p:sp>
-      <p:sp>
-        <p:nvSpPr>
-          <p:cNvPr id="3" name="Content Placeholder 2"/>
-          <p:cNvSpPr>
-            <a:spLocks noGrp="1"/>
-          </p:cNvSpPr>
-          <p:nvPr>
-            <p:ph idx="1"/>
-          </p:nvPr>
-        </p:nvSpPr>
-        <p:spPr>
-          <a:xfrm>
-            <a:off x="457200" y="1295400"/>
-            <a:ext cx="8229600" cy="5013960"/>
-          </a:xfrm>
-        </p:spPr>
-        <p:txBody>
           <a:bodyPr>
             <a:normAutofit/>
           </a:bodyPr>
           <a:lstStyle/>
           <a:p>
-            <a:pPr marL="137160" indent="0">
-              <a:buNone/>
-            </a:pPr>
-            <a:r>
-              <a:rPr lang="en-US" sz="2400" dirty="0" smtClean="0"/>
-              <a:t>#include &lt;</a:t>
-            </a:r>
-            <a:r>
-              <a:rPr lang="en-US" sz="2400" dirty="0" err="1" smtClean="0"/>
-              <a:t>stdio.h</a:t>
-            </a:r>
-            <a:r>
-              <a:rPr lang="en-US" sz="2400" dirty="0" smtClean="0"/>
-              <a:t>&gt;</a:t>
-            </a:r>
-          </a:p>
-          <a:p>
-            <a:pPr marL="137160" indent="0">
-              <a:buNone/>
-            </a:pPr>
-            <a:endParaRPr lang="en-US" sz="2400" dirty="0"/>
-          </a:p>
-          <a:p>
-            <a:pPr marL="137160" indent="0">
-              <a:buNone/>
-            </a:pPr>
-            <a:r>
-              <a:rPr lang="en-US" sz="2400" dirty="0"/>
-              <a:t>v</a:t>
-            </a:r>
-            <a:r>
-              <a:rPr lang="en-US" sz="2400" dirty="0" smtClean="0"/>
-              <a:t>oid main()</a:t>
-            </a:r>
-          </a:p>
-          <a:p>
-            <a:pPr marL="137160" indent="0">
-              <a:buNone/>
-            </a:pPr>
-            <a:r>
-              <a:rPr lang="en-US" sz="2400" dirty="0" smtClean="0"/>
-              <a:t>{</a:t>
-            </a:r>
-          </a:p>
-          <a:p>
-            <a:pPr marL="585216" lvl="1" indent="0">
-              <a:buNone/>
-            </a:pPr>
-            <a:r>
-              <a:rPr lang="en-US" sz="2000" dirty="0" err="1" smtClean="0"/>
-              <a:t>printf</a:t>
-            </a:r>
-            <a:r>
-              <a:rPr lang="en-US" sz="2000" dirty="0" smtClean="0"/>
-              <a:t>(“hello world”);</a:t>
-            </a:r>
-          </a:p>
-          <a:p>
-            <a:pPr marL="137160" indent="0">
-              <a:buNone/>
-            </a:pPr>
-            <a:r>
-              <a:rPr lang="en-US" sz="2400" dirty="0" smtClean="0"/>
-              <a:t>}</a:t>
-            </a:r>
-          </a:p>
-          <a:p>
-            <a:pPr marL="137160" indent="0">
-              <a:buNone/>
-            </a:pPr>
-            <a:endParaRPr lang="en-US" sz="2400" dirty="0"/>
-          </a:p>
-          <a:p>
-            <a:pPr marL="137160" indent="0">
-              <a:buNone/>
-            </a:pPr>
-            <a:r>
-              <a:rPr lang="en-US" sz="2400" dirty="0" smtClean="0"/>
-              <a:t>#include- preprocessor directive for include file</a:t>
-            </a:r>
-          </a:p>
-          <a:p>
-            <a:pPr marL="137160" indent="0">
-              <a:buNone/>
-            </a:pPr>
-            <a:r>
-              <a:rPr lang="en-US" sz="2400" dirty="0" smtClean="0"/>
-              <a:t>&lt;&gt;- global file include location selection</a:t>
-            </a:r>
-          </a:p>
-          <a:p>
-            <a:pPr marL="137160" indent="0">
-              <a:buNone/>
-            </a:pPr>
-            <a:r>
-              <a:rPr lang="en-US" sz="2400" dirty="0" err="1" smtClean="0"/>
-              <a:t>Stdio</a:t>
-            </a:r>
-            <a:r>
-              <a:rPr lang="en-US" sz="2400" dirty="0" smtClean="0"/>
-              <a:t> –standard input output</a:t>
-            </a:r>
-          </a:p>
-          <a:p>
-            <a:pPr marL="137160" indent="0">
-              <a:buNone/>
-            </a:pPr>
-            <a:r>
-              <a:rPr lang="en-US" sz="2400" dirty="0" smtClean="0"/>
-              <a:t>.h –header file</a:t>
-            </a:r>
-          </a:p>
-          <a:p>
-            <a:pPr marL="137160" indent="0">
-              <a:buNone/>
-            </a:pPr>
-            <a:endParaRPr lang="en-US" sz="2400" dirty="0"/>
+            <a:r>
+              <a:rPr lang="en-US" dirty="0" smtClean="0"/>
+              <a:t>Type conversion/type cast</a:t>
+            </a:r>
+            <a:endParaRPr lang="en-US" dirty="0"/>
+          </a:p>
+        </p:txBody>
+      </p:sp>
+      <p:sp>
+        <p:nvSpPr>
+          <p:cNvPr id="3" name="Content Placeholder 2"/>
+          <p:cNvSpPr>
+            <a:spLocks noGrp="1"/>
+          </p:cNvSpPr>
+          <p:nvPr>
+            <p:ph idx="1"/>
+          </p:nvPr>
+        </p:nvSpPr>
+        <p:spPr/>
+        <p:txBody>
+          <a:bodyPr/>
+          <a:lstStyle/>
+          <a:p>
+            <a:r>
+              <a:rPr lang="en-US" dirty="0" smtClean="0"/>
+              <a:t>Implicit type conversion</a:t>
+            </a:r>
+          </a:p>
+          <a:p>
+            <a:pPr lvl="1"/>
+            <a:r>
+              <a:rPr lang="en-US" dirty="0" err="1"/>
+              <a:t>i</a:t>
+            </a:r>
+            <a:r>
+              <a:rPr lang="en-US" dirty="0" err="1" smtClean="0"/>
+              <a:t>nt</a:t>
+            </a:r>
+            <a:r>
+              <a:rPr lang="en-US" dirty="0" smtClean="0"/>
+              <a:t> a=5;</a:t>
+            </a:r>
+          </a:p>
+          <a:p>
+            <a:pPr lvl="1"/>
+            <a:r>
+              <a:rPr lang="en-US" dirty="0"/>
+              <a:t>f</a:t>
+            </a:r>
+            <a:r>
+              <a:rPr lang="en-US" dirty="0" smtClean="0"/>
+              <a:t>loat b=a;</a:t>
+            </a:r>
+          </a:p>
+          <a:p>
+            <a:pPr lvl="1"/>
+            <a:r>
+              <a:rPr lang="en-US" dirty="0" err="1"/>
+              <a:t>p</a:t>
+            </a:r>
+            <a:r>
+              <a:rPr lang="en-US" dirty="0" err="1" smtClean="0"/>
+              <a:t>f</a:t>
+            </a:r>
+            <a:r>
+              <a:rPr lang="en-US" dirty="0" smtClean="0"/>
+              <a:t>(“%</a:t>
+            </a:r>
+            <a:r>
+              <a:rPr lang="en-US" dirty="0" err="1" smtClean="0"/>
+              <a:t>f”,b</a:t>
+            </a:r>
+            <a:r>
+              <a:rPr lang="en-US" dirty="0" smtClean="0"/>
+              <a:t>); //implicit conversion</a:t>
+            </a:r>
+          </a:p>
+          <a:p>
+            <a:r>
+              <a:rPr lang="en-US" dirty="0" smtClean="0"/>
+              <a:t>Explicit type conversion</a:t>
+            </a:r>
+          </a:p>
+          <a:p>
+            <a:pPr lvl="1"/>
+            <a:r>
+              <a:rPr lang="en-US" dirty="0" err="1" smtClean="0"/>
+              <a:t>int</a:t>
+            </a:r>
+            <a:r>
+              <a:rPr lang="en-US" dirty="0" smtClean="0"/>
+              <a:t> </a:t>
+            </a:r>
+            <a:r>
+              <a:rPr lang="en-US" dirty="0"/>
+              <a:t>a=5;</a:t>
+            </a:r>
+          </a:p>
+          <a:p>
+            <a:pPr lvl="1"/>
+            <a:r>
+              <a:rPr lang="en-US" dirty="0" smtClean="0"/>
+              <a:t>float </a:t>
+            </a:r>
+            <a:r>
+              <a:rPr lang="en-US" dirty="0"/>
+              <a:t>b</a:t>
+            </a:r>
+            <a:r>
+              <a:rPr lang="en-US" dirty="0" smtClean="0"/>
+              <a:t>=(float)a; //explicit conversion</a:t>
+            </a:r>
+            <a:endParaRPr lang="en-US" dirty="0"/>
+          </a:p>
+          <a:p>
+            <a:pPr lvl="1"/>
+            <a:r>
+              <a:rPr lang="en-US" dirty="0" err="1" smtClean="0"/>
+              <a:t>pf</a:t>
+            </a:r>
+            <a:r>
+              <a:rPr lang="en-US" dirty="0"/>
+              <a:t>(“%</a:t>
+            </a:r>
+            <a:r>
+              <a:rPr lang="en-US" dirty="0" err="1"/>
+              <a:t>f”,b</a:t>
+            </a:r>
+            <a:r>
+              <a:rPr lang="en-US" dirty="0"/>
+              <a:t>); </a:t>
+            </a:r>
           </a:p>
         </p:txBody>
       </p:sp>
     </p:spTree>
     <p:extLst>
       <p:ext uri="{BB962C8B-B14F-4D97-AF65-F5344CB8AC3E}">
-        <p14:creationId xmlns:p14="http://schemas.microsoft.com/office/powerpoint/2010/main" val="1662942852"/>
+        <p14:creationId xmlns:p14="http://schemas.microsoft.com/office/powerpoint/2010/main" val="2383573891"/>
       </p:ext>
     </p:extLst>
   </p:cSld>
@@ -3714,7 +3662,7 @@
           <a:p>
             <a:r>
               <a:rPr lang="en-US" dirty="0" smtClean="0"/>
-              <a:t>Type definition</a:t>
+              <a:t>Basic c program structure</a:t>
             </a:r>
             <a:endParaRPr lang="en-US" dirty="0"/>
           </a:p>
@@ -3730,98 +3678,142 @@
             <p:ph idx="1"/>
           </p:nvPr>
         </p:nvSpPr>
-        <p:spPr/>
-        <p:txBody>
-          <a:bodyPr/>
-          <a:lstStyle/>
-          <a:p>
-            <a:r>
-              <a:rPr lang="en-US" dirty="0" err="1" smtClean="0"/>
-              <a:t>typedef</a:t>
-            </a:r>
-            <a:r>
-              <a:rPr lang="en-US" dirty="0" smtClean="0"/>
-              <a:t> unsigned char uint8_t;</a:t>
-            </a:r>
-          </a:p>
-          <a:p>
-            <a:r>
-              <a:rPr lang="en-US" dirty="0" err="1"/>
-              <a:t>typedef</a:t>
-            </a:r>
-            <a:r>
-              <a:rPr lang="en-US" dirty="0"/>
-              <a:t> </a:t>
-            </a:r>
-            <a:r>
-              <a:rPr lang="en-US" dirty="0" smtClean="0"/>
-              <a:t>short intuint16_t</a:t>
-            </a:r>
-            <a:r>
-              <a:rPr lang="en-US" dirty="0"/>
-              <a:t>;</a:t>
-            </a:r>
-          </a:p>
-          <a:p>
-            <a:r>
-              <a:rPr lang="en-US" dirty="0" err="1"/>
-              <a:t>typedef</a:t>
-            </a:r>
-            <a:r>
-              <a:rPr lang="en-US" dirty="0"/>
-              <a:t> </a:t>
-            </a:r>
-            <a:r>
-              <a:rPr lang="en-US" dirty="0" smtClean="0"/>
-              <a:t>unsigned </a:t>
-            </a:r>
-            <a:r>
-              <a:rPr lang="en-US" dirty="0" err="1" smtClean="0"/>
-              <a:t>int</a:t>
-            </a:r>
-            <a:r>
-              <a:rPr lang="en-US" dirty="0" smtClean="0"/>
-              <a:t> uint32_t;</a:t>
-            </a:r>
-          </a:p>
-          <a:p>
-            <a:r>
-              <a:rPr lang="en-US" dirty="0" err="1"/>
-              <a:t>typedef</a:t>
-            </a:r>
-            <a:r>
-              <a:rPr lang="en-US" dirty="0"/>
-              <a:t> unsigned </a:t>
-            </a:r>
-            <a:r>
-              <a:rPr lang="en-US" dirty="0" smtClean="0"/>
-              <a:t>long </a:t>
-            </a:r>
-            <a:r>
-              <a:rPr lang="en-US" dirty="0" err="1" smtClean="0"/>
-              <a:t>int</a:t>
-            </a:r>
-            <a:r>
-              <a:rPr lang="en-US" dirty="0" smtClean="0"/>
-              <a:t> </a:t>
-            </a:r>
-            <a:r>
-              <a:rPr lang="en-US" dirty="0"/>
-              <a:t>uint32_t;</a:t>
-            </a:r>
-          </a:p>
-          <a:p>
-            <a:endParaRPr lang="en-US" dirty="0"/>
-          </a:p>
-          <a:p>
-            <a:endParaRPr lang="en-US" dirty="0" smtClean="0"/>
+        <p:spPr>
+          <a:xfrm>
+            <a:off x="457200" y="1295400"/>
+            <a:ext cx="8229600" cy="5013960"/>
+          </a:xfrm>
+        </p:spPr>
+        <p:txBody>
+          <a:bodyPr>
+            <a:normAutofit/>
+          </a:bodyPr>
+          <a:lstStyle/>
+          <a:p>
+            <a:pPr marL="137160" indent="0">
+              <a:buNone/>
+            </a:pPr>
+            <a:r>
+              <a:rPr lang="en-US" sz="2400" dirty="0" smtClean="0"/>
+              <a:t>#include &lt;</a:t>
+            </a:r>
+            <a:r>
+              <a:rPr lang="en-US" sz="2400" dirty="0" err="1" smtClean="0"/>
+              <a:t>stdio.h</a:t>
+            </a:r>
+            <a:r>
+              <a:rPr lang="en-US" sz="2400" dirty="0" smtClean="0"/>
+              <a:t>&gt;</a:t>
+            </a:r>
+          </a:p>
+          <a:p>
+            <a:pPr marL="137160" indent="0">
+              <a:buNone/>
+            </a:pPr>
+            <a:endParaRPr lang="en-US" sz="2400" dirty="0"/>
+          </a:p>
+          <a:p>
+            <a:pPr marL="137160" indent="0">
+              <a:buNone/>
+            </a:pPr>
+            <a:r>
+              <a:rPr lang="en-US" sz="2400" dirty="0"/>
+              <a:t>v</a:t>
+            </a:r>
+            <a:r>
+              <a:rPr lang="en-US" sz="2400" dirty="0" smtClean="0"/>
+              <a:t>oid main()</a:t>
+            </a:r>
+          </a:p>
+          <a:p>
+            <a:pPr marL="137160" indent="0">
+              <a:buNone/>
+            </a:pPr>
+            <a:r>
+              <a:rPr lang="en-US" sz="2400" dirty="0" smtClean="0"/>
+              <a:t>{</a:t>
+            </a:r>
+          </a:p>
+          <a:p>
+            <a:pPr marL="585216" lvl="1" indent="0">
+              <a:buNone/>
+            </a:pPr>
+            <a:r>
+              <a:rPr lang="en-US" sz="2000" dirty="0" err="1" smtClean="0"/>
+              <a:t>printf</a:t>
+            </a:r>
+            <a:r>
+              <a:rPr lang="en-US" sz="2000" dirty="0" smtClean="0"/>
+              <a:t>(“hello world”);</a:t>
+            </a:r>
+          </a:p>
+          <a:p>
+            <a:pPr marL="137160" indent="0">
+              <a:buNone/>
+            </a:pPr>
+            <a:r>
+              <a:rPr lang="en-US" sz="2400" dirty="0" smtClean="0"/>
+              <a:t>}</a:t>
+            </a:r>
+          </a:p>
+          <a:p>
+            <a:pPr marL="137160" indent="0">
+              <a:buNone/>
+            </a:pPr>
+            <a:endParaRPr lang="en-US" sz="2400" dirty="0"/>
+          </a:p>
+          <a:p>
+            <a:pPr marL="137160" indent="0">
+              <a:buNone/>
+            </a:pPr>
+            <a:r>
+              <a:rPr lang="en-US" sz="2400" dirty="0" smtClean="0"/>
+              <a:t>#include- preprocessor directive for include file</a:t>
+            </a:r>
+          </a:p>
+          <a:p>
+            <a:pPr marL="137160" indent="0">
+              <a:buNone/>
+            </a:pPr>
+            <a:r>
+              <a:rPr lang="en-US" sz="2400" dirty="0" smtClean="0"/>
+              <a:t>&lt;&gt;- global file include location selection</a:t>
+            </a:r>
+          </a:p>
+          <a:p>
+            <a:pPr marL="137160" indent="0">
+              <a:buNone/>
+            </a:pPr>
+            <a:r>
+              <a:rPr lang="en-US" sz="2400" dirty="0" err="1" smtClean="0"/>
+              <a:t>Stdio</a:t>
+            </a:r>
+            <a:r>
+              <a:rPr lang="en-US" sz="2400" dirty="0" smtClean="0"/>
+              <a:t> –standard input output</a:t>
+            </a:r>
+          </a:p>
+          <a:p>
+            <a:pPr marL="137160" indent="0">
+              <a:buNone/>
+            </a:pPr>
+            <a:r>
+              <a:rPr lang="en-US" sz="2400" dirty="0" smtClean="0"/>
+              <a:t>.h –header file</a:t>
+            </a:r>
+          </a:p>
+          <a:p>
+            <a:pPr marL="137160" indent="0">
+              <a:buNone/>
+            </a:pPr>
+            <a:endParaRPr lang="en-US" sz="2400" dirty="0"/>
           </a:p>
         </p:txBody>
       </p:sp>
     </p:spTree>
     <p:extLst>
       <p:ext uri="{BB962C8B-B14F-4D97-AF65-F5344CB8AC3E}">
-        <p14:creationId xmlns:p14="http://schemas.microsoft.com/office/powerpoint/2010/main" val="1225422143"/>
+        <p14:creationId xmlns:p14="http://schemas.microsoft.com/office/powerpoint/2010/main" val="1662942852"/>
       </p:ext>
     </p:extLst>
   </p:cSld>
@@ -3865,7 +3857,7 @@
           <a:p>
             <a:r>
               <a:rPr lang="en-US" dirty="0" smtClean="0"/>
-              <a:t>Escape sequence</a:t>
+              <a:t>Type definition</a:t>
             </a:r>
             <a:endParaRPr lang="en-US" dirty="0"/>
           </a:p>
@@ -3883,98 +3875,96 @@
         </p:nvSpPr>
         <p:spPr/>
         <p:txBody>
-          <a:bodyPr>
-            <a:normAutofit fontScale="92500" lnSpcReduction="20000"/>
-          </a:bodyPr>
-          <a:lstStyle/>
-          <a:p>
-            <a:r>
-              <a:rPr lang="en-US" dirty="0" smtClean="0"/>
-              <a:t>/n –new line</a:t>
-            </a:r>
-          </a:p>
-          <a:p>
-            <a:r>
-              <a:rPr lang="en-US" dirty="0" smtClean="0"/>
-              <a:t>/r – carriage return</a:t>
-            </a:r>
-          </a:p>
-          <a:p>
-            <a:r>
-              <a:rPr lang="en-US" dirty="0" smtClean="0"/>
-              <a:t>/a –beep/alarm</a:t>
-            </a:r>
-          </a:p>
-          <a:p>
-            <a:r>
-              <a:rPr lang="en-US" dirty="0" smtClean="0"/>
-              <a:t>/b-backspace</a:t>
-            </a:r>
-          </a:p>
-          <a:p>
-            <a:r>
-              <a:rPr lang="en-US" dirty="0" smtClean="0"/>
-              <a:t>/t-tab</a:t>
-            </a:r>
-          </a:p>
-          <a:p>
-            <a:r>
-              <a:rPr lang="en-US" dirty="0" smtClean="0"/>
-              <a:t>/v-vertical tab</a:t>
-            </a:r>
-          </a:p>
-          <a:p>
-            <a:r>
-              <a:rPr lang="en-US" dirty="0" smtClean="0"/>
-              <a:t>//-back </a:t>
-            </a:r>
+          <a:bodyPr/>
+          <a:lstStyle/>
+          <a:p>
             <a:r>
               <a:rPr lang="en-US" dirty="0" err="1" smtClean="0"/>
-              <a:t>slace</a:t>
-            </a:r>
+              <a:t>typedef</a:t>
+            </a:r>
+            <a:r>
+              <a:rPr lang="en-US" dirty="0" smtClean="0"/>
+              <a:t> unsigned char uint8_t;</a:t>
+            </a:r>
+          </a:p>
+          <a:p>
+            <a:r>
+              <a:rPr lang="en-US" dirty="0" err="1"/>
+              <a:t>typedef</a:t>
+            </a:r>
+            <a:r>
+              <a:rPr lang="en-US" dirty="0"/>
+              <a:t> </a:t>
+            </a:r>
+            <a:r>
+              <a:rPr lang="en-US" dirty="0" smtClean="0"/>
+              <a:t>short intuint16_t</a:t>
+            </a:r>
+            <a:r>
+              <a:rPr lang="en-US" dirty="0"/>
+              <a:t>;</a:t>
+            </a:r>
+          </a:p>
+          <a:p>
+            <a:r>
+              <a:rPr lang="en-US" dirty="0" err="1"/>
+              <a:t>typedef</a:t>
+            </a:r>
+            <a:r>
+              <a:rPr lang="en-US" dirty="0"/>
+              <a:t> </a:t>
+            </a:r>
+            <a:r>
+              <a:rPr lang="en-US" dirty="0" smtClean="0"/>
+              <a:t>unsigned </a:t>
+            </a:r>
+            <a:r>
+              <a:rPr lang="en-US" dirty="0" err="1" smtClean="0"/>
+              <a:t>int</a:t>
+            </a:r>
+            <a:r>
+              <a:rPr lang="en-US" dirty="0" smtClean="0"/>
+              <a:t> uint32_t;</a:t>
+            </a:r>
+          </a:p>
+          <a:p>
+            <a:r>
+              <a:rPr lang="en-US" dirty="0" err="1"/>
+              <a:t>typedef</a:t>
+            </a:r>
+            <a:r>
+              <a:rPr lang="en-US" dirty="0"/>
+              <a:t> unsigned </a:t>
+            </a:r>
+            <a:r>
+              <a:rPr lang="en-US" dirty="0" smtClean="0"/>
+              <a:t>long </a:t>
+            </a:r>
+            <a:r>
+              <a:rPr lang="en-US" dirty="0" err="1" smtClean="0"/>
+              <a:t>int</a:t>
+            </a:r>
+            <a:r>
+              <a:rPr lang="en-US" dirty="0" smtClean="0"/>
+              <a:t> </a:t>
+            </a:r>
+            <a:r>
+              <a:rPr lang="en-US" dirty="0"/>
+              <a:t>uint32_t;</a:t>
+            </a:r>
+          </a:p>
+          <a:p>
+            <a:endParaRPr lang="en-US" dirty="0"/>
+          </a:p>
+          <a:p>
             <a:endParaRPr lang="en-US" dirty="0" smtClean="0"/>
-          </a:p>
-          <a:p>
-            <a:r>
-              <a:rPr lang="en-US" dirty="0" smtClean="0"/>
-              <a:t>/’ –single quote</a:t>
-            </a:r>
-          </a:p>
-          <a:p>
-            <a:r>
-              <a:rPr lang="en-US" dirty="0" smtClean="0"/>
-              <a:t>/”-double quote</a:t>
-            </a:r>
-          </a:p>
-          <a:p>
-            <a:r>
-              <a:rPr lang="en-US" dirty="0" smtClean="0"/>
-              <a:t>/?-</a:t>
-            </a:r>
-            <a:r>
-              <a:rPr lang="en-US" dirty="0" err="1" smtClean="0"/>
-              <a:t>qus</a:t>
-            </a:r>
-            <a:r>
-              <a:rPr lang="en-US" dirty="0" smtClean="0"/>
-              <a:t> mark</a:t>
-            </a:r>
-          </a:p>
-          <a:p>
-            <a:r>
-              <a:rPr lang="en-US" dirty="0" smtClean="0"/>
-              <a:t>/0-null</a:t>
-            </a:r>
-          </a:p>
-          <a:p>
-            <a:endParaRPr lang="en-US" dirty="0"/>
           </a:p>
         </p:txBody>
       </p:sp>
     </p:spTree>
     <p:extLst>
       <p:ext uri="{BB962C8B-B14F-4D97-AF65-F5344CB8AC3E}">
-        <p14:creationId xmlns:p14="http://schemas.microsoft.com/office/powerpoint/2010/main" val="1235097247"/>
+        <p14:creationId xmlns:p14="http://schemas.microsoft.com/office/powerpoint/2010/main" val="1225422143"/>
       </p:ext>
     </p:extLst>
   </p:cSld>
@@ -4017,6 +4007,159 @@
           <a:lstStyle/>
           <a:p>
             <a:r>
+              <a:rPr lang="en-US" dirty="0" smtClean="0"/>
+              <a:t>Escape sequence</a:t>
+            </a:r>
+            <a:endParaRPr lang="en-US" dirty="0"/>
+          </a:p>
+        </p:txBody>
+      </p:sp>
+      <p:sp>
+        <p:nvSpPr>
+          <p:cNvPr id="3" name="Content Placeholder 2"/>
+          <p:cNvSpPr>
+            <a:spLocks noGrp="1"/>
+          </p:cNvSpPr>
+          <p:nvPr>
+            <p:ph idx="1"/>
+          </p:nvPr>
+        </p:nvSpPr>
+        <p:spPr/>
+        <p:txBody>
+          <a:bodyPr>
+            <a:normAutofit fontScale="92500" lnSpcReduction="20000"/>
+          </a:bodyPr>
+          <a:lstStyle/>
+          <a:p>
+            <a:r>
+              <a:rPr lang="en-US" dirty="0" smtClean="0"/>
+              <a:t>/n –new line</a:t>
+            </a:r>
+          </a:p>
+          <a:p>
+            <a:r>
+              <a:rPr lang="en-US" dirty="0" smtClean="0"/>
+              <a:t>/r – carriage return</a:t>
+            </a:r>
+          </a:p>
+          <a:p>
+            <a:r>
+              <a:rPr lang="en-US" dirty="0" smtClean="0"/>
+              <a:t>/a –beep/alarm</a:t>
+            </a:r>
+          </a:p>
+          <a:p>
+            <a:r>
+              <a:rPr lang="en-US" dirty="0" smtClean="0"/>
+              <a:t>/b-backspace</a:t>
+            </a:r>
+          </a:p>
+          <a:p>
+            <a:r>
+              <a:rPr lang="en-US" dirty="0" smtClean="0"/>
+              <a:t>/t-tab</a:t>
+            </a:r>
+          </a:p>
+          <a:p>
+            <a:r>
+              <a:rPr lang="en-US" dirty="0" smtClean="0"/>
+              <a:t>/v-vertical tab</a:t>
+            </a:r>
+          </a:p>
+          <a:p>
+            <a:r>
+              <a:rPr lang="en-US" dirty="0" smtClean="0"/>
+              <a:t>//-back </a:t>
+            </a:r>
+            <a:r>
+              <a:rPr lang="en-US" dirty="0" err="1" smtClean="0"/>
+              <a:t>slace</a:t>
+            </a:r>
+            <a:endParaRPr lang="en-US" dirty="0" smtClean="0"/>
+          </a:p>
+          <a:p>
+            <a:r>
+              <a:rPr lang="en-US" dirty="0" smtClean="0"/>
+              <a:t>/’ –single quote</a:t>
+            </a:r>
+          </a:p>
+          <a:p>
+            <a:r>
+              <a:rPr lang="en-US" dirty="0" smtClean="0"/>
+              <a:t>/”-double quote</a:t>
+            </a:r>
+          </a:p>
+          <a:p>
+            <a:r>
+              <a:rPr lang="en-US" dirty="0" smtClean="0"/>
+              <a:t>/?-</a:t>
+            </a:r>
+            <a:r>
+              <a:rPr lang="en-US" dirty="0" err="1" smtClean="0"/>
+              <a:t>qus</a:t>
+            </a:r>
+            <a:r>
+              <a:rPr lang="en-US" dirty="0" smtClean="0"/>
+              <a:t> mark</a:t>
+            </a:r>
+          </a:p>
+          <a:p>
+            <a:r>
+              <a:rPr lang="en-US" dirty="0" smtClean="0"/>
+              <a:t>/0-null</a:t>
+            </a:r>
+          </a:p>
+          <a:p>
+            <a:endParaRPr lang="en-US" dirty="0"/>
+          </a:p>
+        </p:txBody>
+      </p:sp>
+    </p:spTree>
+    <p:extLst>
+      <p:ext uri="{BB962C8B-B14F-4D97-AF65-F5344CB8AC3E}">
+        <p14:creationId xmlns:p14="http://schemas.microsoft.com/office/powerpoint/2010/main" val="1235097247"/>
+      </p:ext>
+    </p:extLst>
+  </p:cSld>
+  <p:clrMapOvr>
+    <a:masterClrMapping/>
+  </p:clrMapOvr>
+</p:sld>
+</file>
+
+<file path=ppt/slides/slide17.xml><?xml version="1.0" encoding="utf-8"?>
+<p:sld xmlns:a="http://schemas.openxmlformats.org/drawingml/2006/main" xmlns:r="http://schemas.openxmlformats.org/officeDocument/2006/relationships" xmlns:p="http://schemas.openxmlformats.org/presentationml/2006/main">
+  <p:cSld>
+    <p:spTree>
+      <p:nvGrpSpPr>
+        <p:cNvPr id="1" name=""/>
+        <p:cNvGrpSpPr/>
+        <p:nvPr/>
+      </p:nvGrpSpPr>
+      <p:grpSpPr>
+        <a:xfrm>
+          <a:off x="0" y="0"/>
+          <a:ext cx="0" cy="0"/>
+          <a:chOff x="0" y="0"/>
+          <a:chExt cx="0" cy="0"/>
+        </a:xfrm>
+      </p:grpSpPr>
+      <p:sp>
+        <p:nvSpPr>
+          <p:cNvPr id="2" name="Title 1"/>
+          <p:cNvSpPr>
+            <a:spLocks noGrp="1"/>
+          </p:cNvSpPr>
+          <p:nvPr>
+            <p:ph type="title"/>
+          </p:nvPr>
+        </p:nvSpPr>
+        <p:spPr/>
+        <p:txBody>
+          <a:bodyPr/>
+          <a:lstStyle/>
+          <a:p>
+            <a:r>
               <a:rPr lang="en-US" dirty="0" err="1" smtClean="0"/>
               <a:t>Ascii</a:t>
             </a:r>
@@ -4112,7 +4255,7 @@
 </p:sld>
 </file>
 
-<file path=ppt/slides/slide17.xml><?xml version="1.0" encoding="utf-8"?>
+<file path=ppt/slides/slide18.xml><?xml version="1.0" encoding="utf-8"?>
 <p:sld xmlns:a="http://schemas.openxmlformats.org/drawingml/2006/main" xmlns:r="http://schemas.openxmlformats.org/officeDocument/2006/relationships" xmlns:p="http://schemas.openxmlformats.org/presentationml/2006/main">
   <p:cSld>
     <p:spTree>
@@ -4198,323 +4341,6 @@
 </p:sld>
 </file>
 
-<file path=ppt/slides/slide18.xml><?xml version="1.0" encoding="utf-8"?>
-<p:sld xmlns:a="http://schemas.openxmlformats.org/drawingml/2006/main" xmlns:r="http://schemas.openxmlformats.org/officeDocument/2006/relationships" xmlns:p="http://schemas.openxmlformats.org/presentationml/2006/main">
-  <p:cSld>
-    <p:spTree>
-      <p:nvGrpSpPr>
-        <p:cNvPr id="1" name=""/>
-        <p:cNvGrpSpPr/>
-        <p:nvPr/>
-      </p:nvGrpSpPr>
-      <p:grpSpPr>
-        <a:xfrm>
-          <a:off x="0" y="0"/>
-          <a:ext cx="0" cy="0"/>
-          <a:chOff x="0" y="0"/>
-          <a:chExt cx="0" cy="0"/>
-        </a:xfrm>
-      </p:grpSpPr>
-      <p:sp>
-        <p:nvSpPr>
-          <p:cNvPr id="2" name="Title 1"/>
-          <p:cNvSpPr>
-            <a:spLocks noGrp="1"/>
-          </p:cNvSpPr>
-          <p:nvPr>
-            <p:ph type="title"/>
-          </p:nvPr>
-        </p:nvSpPr>
-        <p:spPr/>
-        <p:txBody>
-          <a:bodyPr/>
-          <a:lstStyle/>
-          <a:p>
-            <a:r>
-              <a:rPr lang="en-US" dirty="0" err="1" smtClean="0"/>
-              <a:t>Operator_precedence</a:t>
-            </a:r>
-            <a:endParaRPr lang="en-US" dirty="0"/>
-          </a:p>
-        </p:txBody>
-      </p:sp>
-      <p:sp>
-        <p:nvSpPr>
-          <p:cNvPr id="3" name="Content Placeholder 2"/>
-          <p:cNvSpPr>
-            <a:spLocks noGrp="1"/>
-          </p:cNvSpPr>
-          <p:nvPr>
-            <p:ph idx="1"/>
-          </p:nvPr>
-        </p:nvSpPr>
-        <p:spPr>
-          <a:xfrm>
-            <a:off x="457200" y="1600200"/>
-            <a:ext cx="9144000" cy="4709160"/>
-          </a:xfrm>
-        </p:spPr>
-        <p:txBody>
-          <a:bodyPr>
-            <a:normAutofit fontScale="70000" lnSpcReduction="20000"/>
-          </a:bodyPr>
-          <a:lstStyle/>
-          <a:p>
-            <a:pPr marL="137160" indent="0">
-              <a:buNone/>
-            </a:pPr>
-            <a:r>
-              <a:rPr lang="en-US" dirty="0"/>
-              <a:t>Operator Precedence and Associativity </a:t>
-            </a:r>
-            <a:endParaRPr lang="en-US" dirty="0" smtClean="0"/>
-          </a:p>
-          <a:p>
-            <a:pPr marL="137160" indent="0">
-              <a:buNone/>
-            </a:pPr>
-            <a:endParaRPr lang="en-US" dirty="0"/>
-          </a:p>
-          <a:p>
-            <a:pPr marL="137160" indent="0">
-              <a:buNone/>
-            </a:pPr>
-            <a:r>
-              <a:rPr lang="en-US" sz="3400" dirty="0" smtClean="0">
-                <a:solidFill>
-                  <a:srgbClr val="FF0000"/>
-                </a:solidFill>
-              </a:rPr>
-              <a:t>Precedence 					Associativity </a:t>
-            </a:r>
-          </a:p>
-          <a:p>
-            <a:pPr marL="137160" indent="0">
-              <a:buNone/>
-            </a:pPr>
-            <a:endParaRPr lang="en-US" dirty="0" smtClean="0"/>
-          </a:p>
-          <a:p>
-            <a:pPr marL="137160" indent="0">
-              <a:buNone/>
-            </a:pPr>
-            <a:r>
-              <a:rPr lang="en-US" dirty="0" smtClean="0"/>
-              <a:t>( </a:t>
-            </a:r>
-            <a:r>
-              <a:rPr lang="en-US" dirty="0"/>
-              <a:t>) </a:t>
-            </a:r>
-            <a:r>
-              <a:rPr lang="en-US" dirty="0" smtClean="0"/>
-              <a:t>						left </a:t>
-            </a:r>
-            <a:r>
-              <a:rPr lang="en-US" dirty="0"/>
-              <a:t>to right/inside‐out </a:t>
-            </a:r>
-            <a:endParaRPr lang="en-US" dirty="0" smtClean="0"/>
-          </a:p>
-          <a:p>
-            <a:pPr marL="137160" indent="0">
-              <a:buNone/>
-            </a:pPr>
-            <a:r>
-              <a:rPr lang="en-US" dirty="0" smtClean="0"/>
-              <a:t>++</a:t>
-            </a:r>
-            <a:r>
-              <a:rPr lang="en-US" dirty="0"/>
-              <a:t>  ‐‐ ! + (unary)  ‐ (unary) (type</a:t>
-            </a:r>
-            <a:r>
-              <a:rPr lang="en-US" dirty="0" smtClean="0"/>
-              <a:t>)		right </a:t>
-            </a:r>
-            <a:r>
-              <a:rPr lang="en-US" dirty="0"/>
-              <a:t>to left </a:t>
-            </a:r>
-            <a:endParaRPr lang="en-US" dirty="0" smtClean="0"/>
-          </a:p>
-          <a:p>
-            <a:pPr marL="137160" indent="0">
-              <a:buNone/>
-            </a:pPr>
-            <a:r>
-              <a:rPr lang="en-US" dirty="0" smtClean="0"/>
-              <a:t>* </a:t>
-            </a:r>
-            <a:r>
-              <a:rPr lang="en-US" dirty="0"/>
-              <a:t>/ % </a:t>
-            </a:r>
-            <a:r>
-              <a:rPr lang="en-US" dirty="0" smtClean="0"/>
-              <a:t>						left </a:t>
-            </a:r>
-            <a:r>
-              <a:rPr lang="en-US" dirty="0"/>
-              <a:t>to </a:t>
-            </a:r>
-            <a:r>
-              <a:rPr lang="en-US" dirty="0" smtClean="0"/>
-              <a:t>right</a:t>
-            </a:r>
-          </a:p>
-          <a:p>
-            <a:pPr marL="137160" indent="0">
-              <a:buNone/>
-            </a:pPr>
-            <a:r>
-              <a:rPr lang="en-US" dirty="0" smtClean="0"/>
-              <a:t> </a:t>
-            </a:r>
-            <a:r>
-              <a:rPr lang="en-US" dirty="0"/>
-              <a:t>+ (addition)  ‐ (subtraction) </a:t>
-            </a:r>
-            <a:r>
-              <a:rPr lang="en-US" dirty="0" smtClean="0"/>
-              <a:t>			left </a:t>
-            </a:r>
-            <a:r>
-              <a:rPr lang="en-US" dirty="0"/>
-              <a:t>to right </a:t>
-            </a:r>
-            <a:endParaRPr lang="en-US" dirty="0" smtClean="0"/>
-          </a:p>
-          <a:p>
-            <a:pPr marL="137160" indent="0">
-              <a:buNone/>
-            </a:pPr>
-            <a:r>
-              <a:rPr lang="en-US" dirty="0" smtClean="0"/>
-              <a:t>&lt; </a:t>
-            </a:r>
-            <a:r>
-              <a:rPr lang="en-US" dirty="0"/>
-              <a:t>&lt;= &gt; </a:t>
-            </a:r>
-            <a:r>
-              <a:rPr lang="en-US" dirty="0" smtClean="0"/>
-              <a:t>&gt;=					left to </a:t>
-            </a:r>
-            <a:r>
-              <a:rPr lang="en-US" dirty="0"/>
-              <a:t>right </a:t>
-            </a:r>
-            <a:endParaRPr lang="en-US" dirty="0" smtClean="0"/>
-          </a:p>
-          <a:p>
-            <a:pPr marL="137160" indent="0">
-              <a:buNone/>
-            </a:pPr>
-            <a:r>
-              <a:rPr lang="en-US" dirty="0" smtClean="0"/>
-              <a:t>== </a:t>
-            </a:r>
-            <a:r>
-              <a:rPr lang="en-US" dirty="0"/>
-              <a:t>!= </a:t>
-            </a:r>
-            <a:r>
-              <a:rPr lang="en-US" dirty="0" smtClean="0"/>
-              <a:t>						left </a:t>
-            </a:r>
-            <a:r>
-              <a:rPr lang="en-US" dirty="0"/>
-              <a:t>to right </a:t>
-            </a:r>
-            <a:endParaRPr lang="en-US" dirty="0" smtClean="0"/>
-          </a:p>
-          <a:p>
-            <a:pPr marL="137160" indent="0">
-              <a:buNone/>
-            </a:pPr>
-            <a:r>
-              <a:rPr lang="en-US" dirty="0" smtClean="0"/>
-              <a:t>&amp;&amp; 						left </a:t>
-            </a:r>
-            <a:r>
-              <a:rPr lang="en-US" dirty="0"/>
-              <a:t>to right </a:t>
-            </a:r>
-            <a:endParaRPr lang="en-US" dirty="0" smtClean="0"/>
-          </a:p>
-          <a:p>
-            <a:pPr marL="137160" indent="0">
-              <a:buNone/>
-            </a:pPr>
-            <a:r>
-              <a:rPr lang="en-US" dirty="0" smtClean="0"/>
-              <a:t>|| 						left </a:t>
-            </a:r>
-            <a:r>
-              <a:rPr lang="en-US" dirty="0"/>
-              <a:t>to right </a:t>
-            </a:r>
-            <a:endParaRPr lang="en-US" dirty="0" smtClean="0"/>
-          </a:p>
-          <a:p>
-            <a:pPr marL="137160" indent="0">
-              <a:buNone/>
-            </a:pPr>
-            <a:r>
-              <a:rPr lang="en-US" dirty="0" smtClean="0"/>
-              <a:t>= </a:t>
-            </a:r>
-            <a:r>
-              <a:rPr lang="en-US" dirty="0"/>
-              <a:t>+=  ‐= *= /= %= </a:t>
-            </a:r>
-            <a:r>
-              <a:rPr lang="en-US" dirty="0" smtClean="0"/>
-              <a:t>				right </a:t>
-            </a:r>
-            <a:r>
-              <a:rPr lang="en-US" dirty="0"/>
-              <a:t>to left </a:t>
-            </a:r>
-            <a:endParaRPr lang="en-US" dirty="0" smtClean="0"/>
-          </a:p>
-          <a:p>
-            <a:pPr marL="137160" indent="0">
-              <a:buNone/>
-            </a:pPr>
-            <a:r>
-              <a:rPr lang="en-US" dirty="0" smtClean="0"/>
-              <a:t>, </a:t>
-            </a:r>
-            <a:r>
-              <a:rPr lang="en-US" dirty="0"/>
-              <a:t>(comma) </a:t>
-            </a:r>
-            <a:r>
-              <a:rPr lang="en-US" dirty="0" smtClean="0"/>
-              <a:t>					right </a:t>
-            </a:r>
-            <a:r>
-              <a:rPr lang="en-US" dirty="0"/>
-              <a:t>to left</a:t>
-            </a:r>
-          </a:p>
-        </p:txBody>
-      </p:sp>
-    </p:spTree>
-    <p:extLst>
-      <p:ext uri="{BB962C8B-B14F-4D97-AF65-F5344CB8AC3E}">
-        <p14:creationId xmlns:p14="http://schemas.microsoft.com/office/powerpoint/2010/main" val="3832344286"/>
-      </p:ext>
-    </p:extLst>
-  </p:cSld>
-  <p:clrMapOvr>
-    <a:masterClrMapping/>
-  </p:clrMapOvr>
-</p:sld>
-</file>
-
 <file path=ppt/slides/slide19.xml><?xml version="1.0" encoding="utf-8"?>
 <p:sld xmlns:a="http://schemas.openxmlformats.org/drawingml/2006/main" xmlns:r="http://schemas.openxmlformats.org/officeDocument/2006/relationships" xmlns:p="http://schemas.openxmlformats.org/presentationml/2006/main">
   <p:cSld>
@@ -4548,12 +4374,8 @@
           <a:lstStyle/>
           <a:p>
             <a:r>
-              <a:rPr lang="en-US" dirty="0" smtClean="0"/>
-              <a:t>Input and </a:t>
-            </a:r>
-            <a:r>
               <a:rPr lang="en-US" dirty="0" err="1" smtClean="0"/>
-              <a:t>ouput</a:t>
+              <a:t>Operator_precedence</a:t>
             </a:r>
             <a:endParaRPr lang="en-US" dirty="0"/>
           </a:p>
@@ -4569,37 +4391,264 @@
             <p:ph idx="1"/>
           </p:nvPr>
         </p:nvSpPr>
-        <p:spPr/>
-        <p:txBody>
-          <a:bodyPr/>
-          <a:lstStyle/>
-          <a:p>
-            <a:r>
-              <a:rPr lang="en-US" dirty="0" err="1" smtClean="0"/>
-              <a:t>Scanf</a:t>
-            </a:r>
-            <a:r>
-              <a:rPr lang="en-US" dirty="0" smtClean="0"/>
-              <a:t>()</a:t>
-            </a:r>
-          </a:p>
-          <a:p>
-            <a:r>
-              <a:rPr lang="en-US" dirty="0" err="1" smtClean="0"/>
-              <a:t>Printf</a:t>
-            </a:r>
-            <a:r>
-              <a:rPr lang="en-US" dirty="0" smtClean="0"/>
-              <a:t>()</a:t>
-            </a:r>
+        <p:spPr>
+          <a:xfrm>
+            <a:off x="457200" y="1600200"/>
+            <a:ext cx="9144000" cy="4709160"/>
+          </a:xfrm>
+        </p:spPr>
+        <p:txBody>
+          <a:bodyPr>
+            <a:normAutofit fontScale="70000" lnSpcReduction="20000"/>
+          </a:bodyPr>
+          <a:lstStyle/>
+          <a:p>
+            <a:pPr marL="137160" indent="0">
+              <a:buNone/>
+            </a:pPr>
+            <a:r>
+              <a:rPr lang="en-US" dirty="0"/>
+              <a:t>Operator Precedence and Associativity </a:t>
+            </a:r>
+            <a:endParaRPr lang="en-US" dirty="0" smtClean="0"/>
+          </a:p>
+          <a:p>
+            <a:pPr marL="137160" indent="0">
+              <a:buNone/>
+            </a:pPr>
             <a:endParaRPr lang="en-US" dirty="0"/>
+          </a:p>
+          <a:p>
+            <a:pPr marL="137160" indent="0">
+              <a:buNone/>
+            </a:pPr>
+            <a:r>
+              <a:rPr lang="en-US" sz="3400" dirty="0" smtClean="0">
+                <a:solidFill>
+                  <a:srgbClr val="FF0000"/>
+                </a:solidFill>
+              </a:rPr>
+              <a:t>Precedence 					Associativity </a:t>
+            </a:r>
+          </a:p>
+          <a:p>
+            <a:pPr marL="137160" indent="0">
+              <a:buNone/>
+            </a:pPr>
+            <a:endParaRPr lang="en-US" dirty="0" smtClean="0"/>
+          </a:p>
+          <a:p>
+            <a:pPr marL="137160" indent="0">
+              <a:buNone/>
+            </a:pPr>
+            <a:r>
+              <a:rPr lang="en-US" dirty="0" smtClean="0"/>
+              <a:t>( </a:t>
+            </a:r>
+            <a:r>
+              <a:rPr lang="en-US" dirty="0"/>
+              <a:t>) </a:t>
+            </a:r>
+            <a:r>
+              <a:rPr lang="en-US" dirty="0" smtClean="0"/>
+              <a:t>						left </a:t>
+            </a:r>
+            <a:r>
+              <a:rPr lang="en-US" dirty="0"/>
+              <a:t>to right/inside‐out </a:t>
+            </a:r>
+            <a:endParaRPr lang="en-US" dirty="0" smtClean="0"/>
+          </a:p>
+          <a:p>
+            <a:pPr marL="137160" indent="0">
+              <a:buNone/>
+            </a:pPr>
+            <a:r>
+              <a:rPr lang="en-US" dirty="0" smtClean="0"/>
+              <a:t>++</a:t>
+            </a:r>
+            <a:r>
+              <a:rPr lang="en-US" dirty="0"/>
+              <a:t>  ‐‐ ! + (unary)  ‐ (unary) (type</a:t>
+            </a:r>
+            <a:r>
+              <a:rPr lang="en-US" dirty="0" smtClean="0"/>
+              <a:t>)		right </a:t>
+            </a:r>
+            <a:r>
+              <a:rPr lang="en-US" dirty="0"/>
+              <a:t>to left </a:t>
+            </a:r>
+            <a:endParaRPr lang="en-US" dirty="0" smtClean="0"/>
+          </a:p>
+          <a:p>
+            <a:pPr marL="137160" indent="0">
+              <a:buNone/>
+            </a:pPr>
+            <a:r>
+              <a:rPr lang="en-US" dirty="0" smtClean="0"/>
+              <a:t>* </a:t>
+            </a:r>
+            <a:r>
+              <a:rPr lang="en-US" dirty="0"/>
+              <a:t>/ % </a:t>
+            </a:r>
+            <a:r>
+              <a:rPr lang="en-US" dirty="0" smtClean="0"/>
+              <a:t>						left </a:t>
+            </a:r>
+            <a:r>
+              <a:rPr lang="en-US" dirty="0"/>
+              <a:t>to </a:t>
+            </a:r>
+            <a:r>
+              <a:rPr lang="en-US" dirty="0" smtClean="0"/>
+              <a:t>right</a:t>
+            </a:r>
+          </a:p>
+          <a:p>
+            <a:pPr marL="137160" indent="0">
+              <a:buNone/>
+            </a:pPr>
+            <a:r>
+              <a:rPr lang="en-US" dirty="0" smtClean="0"/>
+              <a:t> </a:t>
+            </a:r>
+            <a:r>
+              <a:rPr lang="en-US" dirty="0"/>
+              <a:t>+ (addition)  ‐ (subtraction) </a:t>
+            </a:r>
+            <a:r>
+              <a:rPr lang="en-US" dirty="0" smtClean="0"/>
+              <a:t>			left </a:t>
+            </a:r>
+            <a:r>
+              <a:rPr lang="en-US" dirty="0"/>
+              <a:t>to right </a:t>
+            </a:r>
+            <a:endParaRPr lang="en-US" dirty="0" smtClean="0"/>
+          </a:p>
+          <a:p>
+            <a:pPr marL="137160" indent="0">
+              <a:buNone/>
+            </a:pPr>
+            <a:r>
+              <a:rPr lang="en-US" dirty="0" smtClean="0"/>
+              <a:t>&lt; </a:t>
+            </a:r>
+            <a:r>
+              <a:rPr lang="en-US" dirty="0"/>
+              <a:t>&lt;= &gt; </a:t>
+            </a:r>
+            <a:r>
+              <a:rPr lang="en-US" dirty="0" smtClean="0"/>
+              <a:t>&gt;=					left to </a:t>
+            </a:r>
+            <a:r>
+              <a:rPr lang="en-US" dirty="0"/>
+              <a:t>right </a:t>
+            </a:r>
+            <a:endParaRPr lang="en-US" dirty="0" smtClean="0"/>
+          </a:p>
+          <a:p>
+            <a:pPr marL="137160" indent="0">
+              <a:buNone/>
+            </a:pPr>
+            <a:r>
+              <a:rPr lang="en-US" dirty="0" smtClean="0"/>
+              <a:t>== </a:t>
+            </a:r>
+            <a:r>
+              <a:rPr lang="en-US" dirty="0"/>
+              <a:t>!= </a:t>
+            </a:r>
+            <a:r>
+              <a:rPr lang="en-US" dirty="0" smtClean="0"/>
+              <a:t>						left </a:t>
+            </a:r>
+            <a:r>
+              <a:rPr lang="en-US" dirty="0"/>
+              <a:t>to right </a:t>
+            </a:r>
+            <a:endParaRPr lang="en-US" dirty="0" smtClean="0"/>
+          </a:p>
+          <a:p>
+            <a:pPr marL="137160" indent="0">
+              <a:buNone/>
+            </a:pPr>
+            <a:r>
+              <a:rPr lang="en-US" dirty="0" smtClean="0"/>
+              <a:t>&amp;&amp; 						left </a:t>
+            </a:r>
+            <a:r>
+              <a:rPr lang="en-US" dirty="0"/>
+              <a:t>to right </a:t>
+            </a:r>
+            <a:endParaRPr lang="en-US" dirty="0" smtClean="0"/>
+          </a:p>
+          <a:p>
+            <a:pPr marL="137160" indent="0">
+              <a:buNone/>
+            </a:pPr>
+            <a:r>
+              <a:rPr lang="en-US" dirty="0" smtClean="0"/>
+              <a:t>|| 						left </a:t>
+            </a:r>
+            <a:r>
+              <a:rPr lang="en-US" dirty="0"/>
+              <a:t>to right </a:t>
+            </a:r>
+            <a:endParaRPr lang="en-US" dirty="0" smtClean="0"/>
+          </a:p>
+          <a:p>
+            <a:pPr marL="137160" indent="0">
+              <a:buNone/>
+            </a:pPr>
+            <a:r>
+              <a:rPr lang="en-US" dirty="0" smtClean="0"/>
+              <a:t>= </a:t>
+            </a:r>
+            <a:r>
+              <a:rPr lang="en-US" dirty="0"/>
+              <a:t>+=  ‐= *= /= %= </a:t>
+            </a:r>
+            <a:r>
+              <a:rPr lang="en-US" dirty="0" smtClean="0"/>
+              <a:t>				right </a:t>
+            </a:r>
+            <a:r>
+              <a:rPr lang="en-US" dirty="0"/>
+              <a:t>to left </a:t>
+            </a:r>
+            <a:endParaRPr lang="en-US" dirty="0" smtClean="0"/>
+          </a:p>
+          <a:p>
+            <a:pPr marL="137160" indent="0">
+              <a:buNone/>
+            </a:pPr>
+            <a:r>
+              <a:rPr lang="en-US" dirty="0" smtClean="0"/>
+              <a:t>, </a:t>
+            </a:r>
+            <a:r>
+              <a:rPr lang="en-US" dirty="0"/>
+              <a:t>(comma) </a:t>
+            </a:r>
+            <a:r>
+              <a:rPr lang="en-US" dirty="0" smtClean="0"/>
+              <a:t>					right </a:t>
+            </a:r>
+            <a:r>
+              <a:rPr lang="en-US" dirty="0"/>
+              <a:t>to left</a:t>
+            </a:r>
           </a:p>
         </p:txBody>
       </p:sp>
     </p:spTree>
     <p:extLst>
       <p:ext uri="{BB962C8B-B14F-4D97-AF65-F5344CB8AC3E}">
-        <p14:creationId xmlns:p14="http://schemas.microsoft.com/office/powerpoint/2010/main" val="3283898978"/>
+        <p14:creationId xmlns:p14="http://schemas.microsoft.com/office/powerpoint/2010/main" val="3832344286"/>
       </p:ext>
     </p:extLst>
   </p:cSld>
@@ -4806,6 +4855,100 @@
           <a:p>
             <a:r>
               <a:rPr lang="en-US" dirty="0" smtClean="0"/>
+              <a:t>Input and </a:t>
+            </a:r>
+            <a:r>
+              <a:rPr lang="en-US" dirty="0" err="1" smtClean="0"/>
+              <a:t>ouput</a:t>
+            </a:r>
+            <a:endParaRPr lang="en-US" dirty="0"/>
+          </a:p>
+        </p:txBody>
+      </p:sp>
+      <p:sp>
+        <p:nvSpPr>
+          <p:cNvPr id="3" name="Content Placeholder 2"/>
+          <p:cNvSpPr>
+            <a:spLocks noGrp="1"/>
+          </p:cNvSpPr>
+          <p:nvPr>
+            <p:ph idx="1"/>
+          </p:nvPr>
+        </p:nvSpPr>
+        <p:spPr/>
+        <p:txBody>
+          <a:bodyPr/>
+          <a:lstStyle/>
+          <a:p>
+            <a:r>
+              <a:rPr lang="en-US" dirty="0" err="1" smtClean="0"/>
+              <a:t>Scanf</a:t>
+            </a:r>
+            <a:r>
+              <a:rPr lang="en-US" dirty="0" smtClean="0"/>
+              <a:t>()</a:t>
+            </a:r>
+          </a:p>
+          <a:p>
+            <a:r>
+              <a:rPr lang="en-US" dirty="0" err="1" smtClean="0"/>
+              <a:t>Printf</a:t>
+            </a:r>
+            <a:r>
+              <a:rPr lang="en-US" dirty="0" smtClean="0"/>
+              <a:t>()</a:t>
+            </a:r>
+            <a:endParaRPr lang="en-US" dirty="0"/>
+          </a:p>
+        </p:txBody>
+      </p:sp>
+    </p:spTree>
+    <p:extLst>
+      <p:ext uri="{BB962C8B-B14F-4D97-AF65-F5344CB8AC3E}">
+        <p14:creationId xmlns:p14="http://schemas.microsoft.com/office/powerpoint/2010/main" val="3283898978"/>
+      </p:ext>
+    </p:extLst>
+  </p:cSld>
+  <p:clrMapOvr>
+    <a:masterClrMapping/>
+  </p:clrMapOvr>
+</p:sld>
+</file>
+
+<file path=ppt/slides/slide21.xml><?xml version="1.0" encoding="utf-8"?>
+<p:sld xmlns:a="http://schemas.openxmlformats.org/drawingml/2006/main" xmlns:r="http://schemas.openxmlformats.org/officeDocument/2006/relationships" xmlns:p="http://schemas.openxmlformats.org/presentationml/2006/main">
+  <p:cSld>
+    <p:spTree>
+      <p:nvGrpSpPr>
+        <p:cNvPr id="1" name=""/>
+        <p:cNvGrpSpPr/>
+        <p:nvPr/>
+      </p:nvGrpSpPr>
+      <p:grpSpPr>
+        <a:xfrm>
+          <a:off x="0" y="0"/>
+          <a:ext cx="0" cy="0"/>
+          <a:chOff x="0" y="0"/>
+          <a:chExt cx="0" cy="0"/>
+        </a:xfrm>
+      </p:grpSpPr>
+      <p:sp>
+        <p:nvSpPr>
+          <p:cNvPr id="2" name="Title 1"/>
+          <p:cNvSpPr>
+            <a:spLocks noGrp="1"/>
+          </p:cNvSpPr>
+          <p:nvPr>
+            <p:ph type="title"/>
+          </p:nvPr>
+        </p:nvSpPr>
+        <p:spPr/>
+        <p:txBody>
+          <a:bodyPr/>
+          <a:lstStyle/>
+          <a:p>
+            <a:r>
+              <a:rPr lang="en-US" dirty="0" smtClean="0"/>
               <a:t>Local </a:t>
             </a:r>
             <a:r>
@@ -5072,7 +5215,7 @@
 </p:sld>
 </file>
 
-<file path=ppt/slides/slide21.xml><?xml version="1.0" encoding="utf-8"?>
+<file path=ppt/slides/slide22.xml><?xml version="1.0" encoding="utf-8"?>
 <p:sld xmlns:a="http://schemas.openxmlformats.org/drawingml/2006/main" xmlns:r="http://schemas.openxmlformats.org/officeDocument/2006/relationships" xmlns:p="http://schemas.openxmlformats.org/presentationml/2006/main">
   <p:cSld>
     <p:spTree>
@@ -5208,7 +5351,7 @@
 </p:sld>
 </file>
 
-<file path=ppt/slides/slide22.xml><?xml version="1.0" encoding="utf-8"?>
+<file path=ppt/slides/slide23.xml><?xml version="1.0" encoding="utf-8"?>
 <p:sld xmlns:a="http://schemas.openxmlformats.org/drawingml/2006/main" xmlns:r="http://schemas.openxmlformats.org/officeDocument/2006/relationships" xmlns:p="http://schemas.openxmlformats.org/presentationml/2006/main">
   <p:cSld>
     <p:spTree>
@@ -5468,7 +5611,7 @@
 </p:sld>
 </file>
 
-<file path=ppt/slides/slide23.xml><?xml version="1.0" encoding="utf-8"?>
+<file path=ppt/slides/slide24.xml><?xml version="1.0" encoding="utf-8"?>
 <p:sld xmlns:a="http://schemas.openxmlformats.org/drawingml/2006/main" xmlns:r="http://schemas.openxmlformats.org/officeDocument/2006/relationships" xmlns:p="http://schemas.openxmlformats.org/presentationml/2006/main">
   <p:cSld>
     <p:spTree>
@@ -5558,7 +5701,7 @@
 </p:sld>
 </file>
 
-<file path=ppt/slides/slide24.xml><?xml version="1.0" encoding="utf-8"?>
+<file path=ppt/slides/slide25.xml><?xml version="1.0" encoding="utf-8"?>
 <p:sld xmlns:a="http://schemas.openxmlformats.org/drawingml/2006/main" xmlns:r="http://schemas.openxmlformats.org/officeDocument/2006/relationships" xmlns:p="http://schemas.openxmlformats.org/presentationml/2006/main">
   <p:cSld>
     <p:spTree>
@@ -5873,6 +6016,125 @@
             <p:ph type="title"/>
           </p:nvPr>
         </p:nvSpPr>
+        <p:spPr>
+          <a:xfrm>
+            <a:off x="457200" y="0"/>
+            <a:ext cx="8229600" cy="685800"/>
+          </a:xfrm>
+        </p:spPr>
+        <p:txBody>
+          <a:bodyPr>
+            <a:normAutofit fontScale="90000"/>
+          </a:bodyPr>
+          <a:lstStyle/>
+          <a:p>
+            <a:r>
+              <a:rPr lang="en-US" dirty="0" smtClean="0"/>
+              <a:t>Compilation process</a:t>
+            </a:r>
+            <a:endParaRPr lang="en-US" dirty="0"/>
+          </a:p>
+        </p:txBody>
+      </p:sp>
+      <p:pic>
+        <p:nvPicPr>
+          <p:cNvPr id="4" name="Content Placeholder 3"/>
+          <p:cNvPicPr>
+            <a:picLocks noGrp="1" noChangeAspect="1"/>
+          </p:cNvPicPr>
+          <p:nvPr>
+            <p:ph idx="1"/>
+          </p:nvPr>
+        </p:nvPicPr>
+        <p:blipFill>
+          <a:blip r:embed="rId2">
+            <a:extLst>
+              <a:ext uri="{28A0092B-C50C-407E-A947-70E740481C1C}">
+                <a14:useLocalDpi xmlns:a14="http://schemas.microsoft.com/office/drawing/2010/main" val="0"/>
+              </a:ext>
+            </a:extLst>
+          </a:blip>
+          <a:stretch>
+            <a:fillRect/>
+          </a:stretch>
+        </p:blipFill>
+        <p:spPr>
+          <a:xfrm>
+            <a:off x="1687286" y="3352800"/>
+            <a:ext cx="5430838" cy="3352800"/>
+          </a:xfrm>
+        </p:spPr>
+      </p:pic>
+      <p:pic>
+        <p:nvPicPr>
+          <p:cNvPr id="5" name="Picture 4"/>
+          <p:cNvPicPr>
+            <a:picLocks noChangeAspect="1"/>
+          </p:cNvPicPr>
+          <p:nvPr/>
+        </p:nvPicPr>
+        <p:blipFill>
+          <a:blip r:embed="rId3">
+            <a:extLst>
+              <a:ext uri="{28A0092B-C50C-407E-A947-70E740481C1C}">
+                <a14:useLocalDpi xmlns:a14="http://schemas.microsoft.com/office/drawing/2010/main" val="0"/>
+              </a:ext>
+            </a:extLst>
+          </a:blip>
+          <a:stretch>
+            <a:fillRect/>
+          </a:stretch>
+        </p:blipFill>
+        <p:spPr>
+          <a:xfrm>
+            <a:off x="2209800" y="990600"/>
+            <a:ext cx="4572000" cy="2141034"/>
+          </a:xfrm>
+          <a:prstGeom prst="rect">
+            <a:avLst/>
+          </a:prstGeom>
+        </p:spPr>
+      </p:pic>
+    </p:spTree>
+    <p:extLst>
+      <p:ext uri="{BB962C8B-B14F-4D97-AF65-F5344CB8AC3E}">
+        <p14:creationId xmlns:p14="http://schemas.microsoft.com/office/powerpoint/2010/main" val="3518727629"/>
+      </p:ext>
+    </p:extLst>
+  </p:cSld>
+  <p:clrMapOvr>
+    <a:masterClrMapping/>
+  </p:clrMapOvr>
+</p:sld>
+</file>
+
+<file path=ppt/slides/slide5.xml><?xml version="1.0" encoding="utf-8"?>
+<p:sld xmlns:a="http://schemas.openxmlformats.org/drawingml/2006/main" xmlns:r="http://schemas.openxmlformats.org/officeDocument/2006/relationships" xmlns:p="http://schemas.openxmlformats.org/presentationml/2006/main">
+  <p:cSld>
+    <p:spTree>
+      <p:nvGrpSpPr>
+        <p:cNvPr id="1" name=""/>
+        <p:cNvGrpSpPr/>
+        <p:nvPr/>
+      </p:nvGrpSpPr>
+      <p:grpSpPr>
+        <a:xfrm>
+          <a:off x="0" y="0"/>
+          <a:ext cx="0" cy="0"/>
+          <a:chOff x="0" y="0"/>
+          <a:chExt cx="0" cy="0"/>
+        </a:xfrm>
+      </p:grpSpPr>
+      <p:sp>
+        <p:nvSpPr>
+          <p:cNvPr id="2" name="Title 1"/>
+          <p:cNvSpPr>
+            <a:spLocks noGrp="1"/>
+          </p:cNvSpPr>
+          <p:nvPr>
+            <p:ph type="title"/>
+          </p:nvPr>
+        </p:nvSpPr>
         <p:spPr/>
         <p:txBody>
           <a:bodyPr/>
@@ -5928,112 +6190,6 @@
 </p:sld>
 </file>
 
-<file path=ppt/slides/slide5.xml><?xml version="1.0" encoding="utf-8"?>
-<p:sld xmlns:a="http://schemas.openxmlformats.org/drawingml/2006/main" xmlns:r="http://schemas.openxmlformats.org/officeDocument/2006/relationships" xmlns:p="http://schemas.openxmlformats.org/presentationml/2006/main">
-  <p:cSld>
-    <p:spTree>
-      <p:nvGrpSpPr>
-        <p:cNvPr id="1" name=""/>
-        <p:cNvGrpSpPr/>
-        <p:nvPr/>
-      </p:nvGrpSpPr>
-      <p:grpSpPr>
-        <a:xfrm>
-          <a:off x="0" y="0"/>
-          <a:ext cx="0" cy="0"/>
-          <a:chOff x="0" y="0"/>
-          <a:chExt cx="0" cy="0"/>
-        </a:xfrm>
-      </p:grpSpPr>
-      <p:sp>
-        <p:nvSpPr>
-          <p:cNvPr id="2" name="Title 1"/>
-          <p:cNvSpPr>
-            <a:spLocks noGrp="1"/>
-          </p:cNvSpPr>
-          <p:nvPr>
-            <p:ph type="title"/>
-          </p:nvPr>
-        </p:nvSpPr>
-        <p:spPr/>
-        <p:txBody>
-          <a:bodyPr/>
-          <a:lstStyle/>
-          <a:p>
-            <a:r>
-              <a:rPr lang="en-US" dirty="0" smtClean="0"/>
-              <a:t>Tokens</a:t>
-            </a:r>
-            <a:endParaRPr lang="en-US" dirty="0"/>
-          </a:p>
-        </p:txBody>
-      </p:sp>
-      <p:sp>
-        <p:nvSpPr>
-          <p:cNvPr id="3" name="Content Placeholder 2"/>
-          <p:cNvSpPr>
-            <a:spLocks noGrp="1"/>
-          </p:cNvSpPr>
-          <p:nvPr>
-            <p:ph idx="1"/>
-          </p:nvPr>
-        </p:nvSpPr>
-        <p:spPr/>
-        <p:txBody>
-          <a:bodyPr/>
-          <a:lstStyle/>
-          <a:p>
-            <a:r>
-              <a:rPr lang="en-US" dirty="0" smtClean="0"/>
-              <a:t>Identifier – set of rules to define variables</a:t>
-            </a:r>
-          </a:p>
-          <a:p>
-            <a:r>
-              <a:rPr lang="en-US" dirty="0" smtClean="0"/>
-              <a:t>Keywords – fixed words to do special tasks</a:t>
-            </a:r>
-          </a:p>
-          <a:p>
-            <a:r>
-              <a:rPr lang="en-US" dirty="0" smtClean="0"/>
-              <a:t>Constants/literals –cant change variable value</a:t>
-            </a:r>
-          </a:p>
-          <a:p>
-            <a:r>
-              <a:rPr lang="en-US" dirty="0" smtClean="0"/>
-              <a:t>String – group of characters</a:t>
-            </a:r>
-          </a:p>
-          <a:p>
-            <a:r>
-              <a:rPr lang="en-US" dirty="0" smtClean="0"/>
-              <a:t>Operators – used to do math operations</a:t>
-            </a:r>
-          </a:p>
-          <a:p>
-            <a:r>
-              <a:rPr lang="en-US" dirty="0" smtClean="0"/>
-              <a:t>Special symbols-(),{}</a:t>
-            </a:r>
-            <a:endParaRPr lang="en-US" dirty="0"/>
-          </a:p>
-        </p:txBody>
-      </p:sp>
-    </p:spTree>
-    <p:extLst>
-      <p:ext uri="{BB962C8B-B14F-4D97-AF65-F5344CB8AC3E}">
-        <p14:creationId xmlns:p14="http://schemas.microsoft.com/office/powerpoint/2010/main" val="3723259966"/>
-      </p:ext>
-    </p:extLst>
-  </p:cSld>
-  <p:clrMapOvr>
-    <a:masterClrMapping/>
-  </p:clrMapOvr>
-</p:sld>
-</file>
-
 <file path=ppt/slides/slide6.xml><?xml version="1.0" encoding="utf-8"?>
 <p:sld xmlns:a="http://schemas.openxmlformats.org/drawingml/2006/main" xmlns:r="http://schemas.openxmlformats.org/officeDocument/2006/relationships" xmlns:p="http://schemas.openxmlformats.org/presentationml/2006/main">
   <p:cSld>
@@ -6068,6 +6224,112 @@
           <a:p>
             <a:r>
               <a:rPr lang="en-US" dirty="0" smtClean="0"/>
+              <a:t>Tokens</a:t>
+            </a:r>
+            <a:endParaRPr lang="en-US" dirty="0"/>
+          </a:p>
+        </p:txBody>
+      </p:sp>
+      <p:sp>
+        <p:nvSpPr>
+          <p:cNvPr id="3" name="Content Placeholder 2"/>
+          <p:cNvSpPr>
+            <a:spLocks noGrp="1"/>
+          </p:cNvSpPr>
+          <p:nvPr>
+            <p:ph idx="1"/>
+          </p:nvPr>
+        </p:nvSpPr>
+        <p:spPr/>
+        <p:txBody>
+          <a:bodyPr/>
+          <a:lstStyle/>
+          <a:p>
+            <a:r>
+              <a:rPr lang="en-US" dirty="0" smtClean="0"/>
+              <a:t>Identifier – set of rules to define variables</a:t>
+            </a:r>
+          </a:p>
+          <a:p>
+            <a:r>
+              <a:rPr lang="en-US" dirty="0" smtClean="0"/>
+              <a:t>Keywords – fixed words to do special tasks</a:t>
+            </a:r>
+          </a:p>
+          <a:p>
+            <a:r>
+              <a:rPr lang="en-US" dirty="0" smtClean="0"/>
+              <a:t>Constants/literals –cant change variable value</a:t>
+            </a:r>
+          </a:p>
+          <a:p>
+            <a:r>
+              <a:rPr lang="en-US" dirty="0" smtClean="0"/>
+              <a:t>String – group of characters</a:t>
+            </a:r>
+          </a:p>
+          <a:p>
+            <a:r>
+              <a:rPr lang="en-US" dirty="0" smtClean="0"/>
+              <a:t>Operators – used to do math operations</a:t>
+            </a:r>
+          </a:p>
+          <a:p>
+            <a:r>
+              <a:rPr lang="en-US" dirty="0" smtClean="0"/>
+              <a:t>Special symbols-(),{}</a:t>
+            </a:r>
+            <a:endParaRPr lang="en-US" dirty="0"/>
+          </a:p>
+        </p:txBody>
+      </p:sp>
+    </p:spTree>
+    <p:extLst>
+      <p:ext uri="{BB962C8B-B14F-4D97-AF65-F5344CB8AC3E}">
+        <p14:creationId xmlns:p14="http://schemas.microsoft.com/office/powerpoint/2010/main" val="3723259966"/>
+      </p:ext>
+    </p:extLst>
+  </p:cSld>
+  <p:clrMapOvr>
+    <a:masterClrMapping/>
+  </p:clrMapOvr>
+</p:sld>
+</file>
+
+<file path=ppt/slides/slide7.xml><?xml version="1.0" encoding="utf-8"?>
+<p:sld xmlns:a="http://schemas.openxmlformats.org/drawingml/2006/main" xmlns:r="http://schemas.openxmlformats.org/officeDocument/2006/relationships" xmlns:p="http://schemas.openxmlformats.org/presentationml/2006/main">
+  <p:cSld>
+    <p:spTree>
+      <p:nvGrpSpPr>
+        <p:cNvPr id="1" name=""/>
+        <p:cNvGrpSpPr/>
+        <p:nvPr/>
+      </p:nvGrpSpPr>
+      <p:grpSpPr>
+        <a:xfrm>
+          <a:off x="0" y="0"/>
+          <a:ext cx="0" cy="0"/>
+          <a:chOff x="0" y="0"/>
+          <a:chExt cx="0" cy="0"/>
+        </a:xfrm>
+      </p:grpSpPr>
+      <p:sp>
+        <p:nvSpPr>
+          <p:cNvPr id="2" name="Title 1"/>
+          <p:cNvSpPr>
+            <a:spLocks noGrp="1"/>
+          </p:cNvSpPr>
+          <p:nvPr>
+            <p:ph type="title"/>
+          </p:nvPr>
+        </p:nvSpPr>
+        <p:spPr/>
+        <p:txBody>
+          <a:bodyPr/>
+          <a:lstStyle/>
+          <a:p>
+            <a:r>
+              <a:rPr lang="en-US" dirty="0" smtClean="0"/>
               <a:t>Operator types</a:t>
             </a:r>
             <a:endParaRPr lang="en-US" dirty="0"/>
@@ -6149,7 +6411,7 @@
 </p:sld>
 </file>
 
-<file path=ppt/slides/slide7.xml><?xml version="1.0" encoding="utf-8"?>
+<file path=ppt/slides/slide8.xml><?xml version="1.0" encoding="utf-8"?>
 <p:sld xmlns:a="http://schemas.openxmlformats.org/drawingml/2006/main" xmlns:r="http://schemas.openxmlformats.org/officeDocument/2006/relationships" xmlns:p="http://schemas.openxmlformats.org/presentationml/2006/main">
   <p:cSld>
     <p:spTree>
@@ -6231,191 +6493,6 @@
 </p:sld>
 </file>
 
-<file path=ppt/slides/slide8.xml><?xml version="1.0" encoding="utf-8"?>
-<p:sld xmlns:a="http://schemas.openxmlformats.org/drawingml/2006/main" xmlns:r="http://schemas.openxmlformats.org/officeDocument/2006/relationships" xmlns:p="http://schemas.openxmlformats.org/presentationml/2006/main">
-  <p:cSld>
-    <p:spTree>
-      <p:nvGrpSpPr>
-        <p:cNvPr id="1" name=""/>
-        <p:cNvGrpSpPr/>
-        <p:nvPr/>
-      </p:nvGrpSpPr>
-      <p:grpSpPr>
-        <a:xfrm>
-          <a:off x="0" y="0"/>
-          <a:ext cx="0" cy="0"/>
-          <a:chOff x="0" y="0"/>
-          <a:chExt cx="0" cy="0"/>
-        </a:xfrm>
-      </p:grpSpPr>
-      <p:sp>
-        <p:nvSpPr>
-          <p:cNvPr id="2" name="Title 1"/>
-          <p:cNvSpPr>
-            <a:spLocks noGrp="1"/>
-          </p:cNvSpPr>
-          <p:nvPr>
-            <p:ph type="title"/>
-          </p:nvPr>
-        </p:nvSpPr>
-        <p:spPr/>
-        <p:txBody>
-          <a:bodyPr/>
-          <a:lstStyle/>
-          <a:p>
-            <a:r>
-              <a:rPr lang="en-US" dirty="0" smtClean="0"/>
-              <a:t>Bitwise operator</a:t>
-            </a:r>
-            <a:endParaRPr lang="en-US" dirty="0"/>
-          </a:p>
-        </p:txBody>
-      </p:sp>
-      <p:sp>
-        <p:nvSpPr>
-          <p:cNvPr id="3" name="Content Placeholder 2"/>
-          <p:cNvSpPr>
-            <a:spLocks noGrp="1"/>
-          </p:cNvSpPr>
-          <p:nvPr>
-            <p:ph idx="1"/>
-          </p:nvPr>
-        </p:nvSpPr>
-        <p:spPr/>
-        <p:txBody>
-          <a:bodyPr>
-            <a:normAutofit lnSpcReduction="10000"/>
-          </a:bodyPr>
-          <a:lstStyle/>
-          <a:p>
-            <a:pPr marL="137160" indent="0">
-              <a:buNone/>
-            </a:pPr>
-            <a:r>
-              <a:rPr lang="en-US" dirty="0" smtClean="0"/>
-              <a:t>Bit set(|)</a:t>
-            </a:r>
-          </a:p>
-          <a:p>
-            <a:pPr marL="137160" indent="0">
-              <a:buNone/>
-            </a:pPr>
-            <a:r>
-              <a:rPr lang="en-US" dirty="0" smtClean="0"/>
-              <a:t>Bit clear(&amp;)</a:t>
-            </a:r>
-          </a:p>
-          <a:p>
-            <a:pPr marL="137160" indent="0">
-              <a:buNone/>
-            </a:pPr>
-            <a:r>
-              <a:rPr lang="en-US" dirty="0" smtClean="0"/>
-              <a:t>Bit toggle(^)</a:t>
-            </a:r>
-          </a:p>
-          <a:p>
-            <a:pPr marL="137160" indent="0">
-              <a:buNone/>
-            </a:pPr>
-            <a:endParaRPr lang="en-US" dirty="0"/>
-          </a:p>
-          <a:p>
-            <a:pPr marL="137160" indent="0">
-              <a:buNone/>
-            </a:pPr>
-            <a:r>
-              <a:rPr lang="en-US" dirty="0"/>
-              <a:t>Nth bit set</a:t>
-            </a:r>
-          </a:p>
-          <a:p>
-            <a:pPr marL="585216" lvl="1" indent="0">
-              <a:buNone/>
-            </a:pPr>
-            <a:r>
-              <a:rPr lang="en-US" dirty="0"/>
-              <a:t>a|=(1&lt;&lt;n</a:t>
-            </a:r>
-            <a:r>
-              <a:rPr lang="en-US" dirty="0" smtClean="0"/>
-              <a:t>)</a:t>
-            </a:r>
-          </a:p>
-          <a:p>
-            <a:pPr marL="137160" indent="0">
-              <a:buNone/>
-            </a:pPr>
-            <a:r>
-              <a:rPr lang="en-US" dirty="0"/>
-              <a:t>Nth bit </a:t>
-            </a:r>
-            <a:r>
-              <a:rPr lang="en-US" dirty="0" smtClean="0"/>
-              <a:t>clear</a:t>
-            </a:r>
-            <a:endParaRPr lang="en-US" dirty="0"/>
-          </a:p>
-          <a:p>
-            <a:pPr marL="585216" lvl="1" indent="0">
-              <a:buNone/>
-            </a:pPr>
-            <a:r>
-              <a:rPr lang="en-US" dirty="0" smtClean="0"/>
-              <a:t>a&amp;=~(</a:t>
-            </a:r>
-            <a:r>
-              <a:rPr lang="en-US" dirty="0"/>
-              <a:t>1&lt;&lt;n</a:t>
-            </a:r>
-            <a:r>
-              <a:rPr lang="en-US" dirty="0" smtClean="0"/>
-              <a:t>)</a:t>
-            </a:r>
-          </a:p>
-          <a:p>
-            <a:pPr marL="137160" indent="0">
-              <a:buNone/>
-            </a:pPr>
-            <a:r>
-              <a:rPr lang="en-US" dirty="0" smtClean="0"/>
-              <a:t>Nth bit toggle</a:t>
-            </a:r>
-          </a:p>
-          <a:p>
-            <a:pPr marL="585216" lvl="1" indent="0">
-              <a:buNone/>
-            </a:pPr>
-            <a:r>
-              <a:rPr lang="en-US" dirty="0"/>
-              <a:t>a</a:t>
-            </a:r>
-            <a:r>
-              <a:rPr lang="en-US" dirty="0" smtClean="0"/>
-              <a:t>^=(1&lt;&lt;n)</a:t>
-            </a:r>
-          </a:p>
-          <a:p>
-            <a:pPr marL="585216" lvl="1" indent="0">
-              <a:buNone/>
-            </a:pPr>
-            <a:endParaRPr lang="en-US" dirty="0"/>
-          </a:p>
-        </p:txBody>
-      </p:sp>
-    </p:spTree>
-    <p:extLst>
-      <p:ext uri="{BB962C8B-B14F-4D97-AF65-F5344CB8AC3E}">
-        <p14:creationId xmlns:p14="http://schemas.microsoft.com/office/powerpoint/2010/main" val="898200017"/>
-      </p:ext>
-    </p:extLst>
-  </p:cSld>
-  <p:clrMapOvr>
-    <a:masterClrMapping/>
-  </p:clrMapOvr>
-</p:sld>
-</file>
-
 <file path=ppt/slides/slide9.xml><?xml version="1.0" encoding="utf-8"?>
 <p:sld xmlns:a="http://schemas.openxmlformats.org/drawingml/2006/main" xmlns:r="http://schemas.openxmlformats.org/officeDocument/2006/relationships" xmlns:p="http://schemas.openxmlformats.org/presentationml/2006/main">
   <p:cSld>
@@ -6443,19 +6520,14 @@
             <p:ph type="title"/>
           </p:nvPr>
         </p:nvSpPr>
-        <p:spPr>
-          <a:xfrm>
-            <a:off x="457200" y="-381000"/>
-            <a:ext cx="8229600" cy="990600"/>
-          </a:xfrm>
-        </p:spPr>
-        <p:txBody>
-          <a:bodyPr/>
-          <a:lstStyle/>
-          <a:p>
-            <a:r>
-              <a:rPr lang="en-US" dirty="0" smtClean="0"/>
-              <a:t>Data types  </a:t>
+        <p:spPr/>
+        <p:txBody>
+          <a:bodyPr/>
+          <a:lstStyle/>
+          <a:p>
+            <a:r>
+              <a:rPr lang="en-US" dirty="0" smtClean="0"/>
+              <a:t>Bitwise operator</a:t>
             </a:r>
             <a:endParaRPr lang="en-US" dirty="0"/>
           </a:p>
@@ -6471,84 +6543,132 @@
             <p:ph idx="1"/>
           </p:nvPr>
         </p:nvSpPr>
-        <p:spPr>
-          <a:xfrm>
-            <a:off x="457200" y="457200"/>
-            <a:ext cx="8229600" cy="5852160"/>
-          </a:xfrm>
-        </p:spPr>
-        <p:txBody>
-          <a:bodyPr/>
-          <a:lstStyle/>
-          <a:p>
-            <a:r>
-              <a:rPr lang="en-US" dirty="0" smtClean="0"/>
-              <a:t>Primary –</a:t>
-            </a:r>
-            <a:r>
-              <a:rPr lang="en-US" dirty="0" err="1" smtClean="0"/>
-              <a:t>int,float,char,void</a:t>
-            </a:r>
-            <a:endParaRPr lang="en-US" dirty="0" smtClean="0"/>
-          </a:p>
-          <a:p>
-            <a:r>
-              <a:rPr lang="en-US" dirty="0" smtClean="0"/>
-              <a:t>Derived –</a:t>
-            </a:r>
-            <a:r>
-              <a:rPr lang="en-US" dirty="0" err="1" smtClean="0"/>
-              <a:t>array,pointers</a:t>
-            </a:r>
-            <a:endParaRPr lang="en-US" dirty="0" smtClean="0"/>
-          </a:p>
-          <a:p>
-            <a:r>
-              <a:rPr lang="en-US" dirty="0" smtClean="0"/>
-              <a:t>User define –</a:t>
-            </a:r>
-            <a:r>
-              <a:rPr lang="en-US" dirty="0" err="1" smtClean="0"/>
-              <a:t>structure,union,enumeration,typedef</a:t>
-            </a:r>
+        <p:spPr/>
+        <p:txBody>
+          <a:bodyPr>
+            <a:normAutofit lnSpcReduction="10000"/>
+          </a:bodyPr>
+          <a:lstStyle/>
+          <a:p>
+            <a:pPr marL="137160" indent="0">
+              <a:buNone/>
+            </a:pPr>
+            <a:r>
+              <a:rPr lang="en-US" dirty="0" smtClean="0"/>
+              <a:t>Bit set(|)</a:t>
+            </a:r>
+          </a:p>
+          <a:p>
+            <a:pPr marL="137160" indent="0">
+              <a:buNone/>
+            </a:pPr>
+            <a:r>
+              <a:rPr lang="en-US" dirty="0" smtClean="0"/>
+              <a:t>Bit clear(&amp;)</a:t>
+            </a:r>
+          </a:p>
+          <a:p>
+            <a:pPr marL="137160" indent="0">
+              <a:buNone/>
+            </a:pPr>
+            <a:r>
+              <a:rPr lang="en-US" dirty="0" smtClean="0"/>
+              <a:t>Bit toggle(^)</a:t>
+            </a:r>
+          </a:p>
+          <a:p>
+            <a:pPr marL="137160" indent="0">
+              <a:buNone/>
+            </a:pPr>
             <a:endParaRPr lang="en-US" dirty="0"/>
           </a:p>
-        </p:txBody>
-      </p:sp>
-      <p:pic>
-        <p:nvPicPr>
-          <p:cNvPr id="4" name="Picture 3"/>
-          <p:cNvPicPr>
-            <a:picLocks noChangeAspect="1"/>
-          </p:cNvPicPr>
-          <p:nvPr/>
-        </p:nvPicPr>
-        <p:blipFill>
-          <a:blip r:embed="rId2">
-            <a:extLst>
-              <a:ext uri="{28A0092B-C50C-407E-A947-70E740481C1C}">
-                <a14:useLocalDpi xmlns:a14="http://schemas.microsoft.com/office/drawing/2010/main" val="0"/>
-              </a:ext>
-            </a:extLst>
-          </a:blip>
-          <a:stretch>
-            <a:fillRect/>
-          </a:stretch>
-        </p:blipFill>
-        <p:spPr>
-          <a:xfrm>
-            <a:off x="2079171" y="2514600"/>
-            <a:ext cx="5734050" cy="4171950"/>
-          </a:xfrm>
-          <a:prstGeom prst="rect">
-            <a:avLst/>
-          </a:prstGeom>
-        </p:spPr>
-      </p:pic>
+          <a:p>
+            <a:pPr marL="137160" indent="0">
+              <a:buNone/>
+            </a:pPr>
+            <a:r>
+              <a:rPr lang="en-US" dirty="0"/>
+              <a:t>Nth bit set</a:t>
+            </a:r>
+          </a:p>
+          <a:p>
+            <a:pPr marL="585216" lvl="1" indent="0">
+              <a:buNone/>
+            </a:pPr>
+            <a:r>
+              <a:rPr lang="en-US" dirty="0"/>
+              <a:t>a|=(1&lt;&lt;n</a:t>
+            </a:r>
+            <a:r>
+              <a:rPr lang="en-US" dirty="0" smtClean="0"/>
+              <a:t>)</a:t>
+            </a:r>
+          </a:p>
+          <a:p>
+            <a:pPr marL="137160" indent="0">
+              <a:buNone/>
+            </a:pPr>
+            <a:r>
+              <a:rPr lang="en-US" dirty="0"/>
+              <a:t>Nth bit </a:t>
+            </a:r>
+            <a:r>
+              <a:rPr lang="en-US" dirty="0" smtClean="0"/>
+              <a:t>clear</a:t>
+            </a:r>
+            <a:endParaRPr lang="en-US" dirty="0"/>
+          </a:p>
+          <a:p>
+            <a:pPr marL="585216" lvl="1" indent="0">
+              <a:buNone/>
+            </a:pPr>
+            <a:r>
+              <a:rPr lang="en-US" dirty="0" smtClean="0"/>
+              <a:t>a&amp;=~(</a:t>
+            </a:r>
+            <a:r>
+              <a:rPr lang="en-US" dirty="0"/>
+              <a:t>1&lt;&lt;n</a:t>
+            </a:r>
+            <a:r>
+              <a:rPr lang="en-US" dirty="0" smtClean="0"/>
+              <a:t>)</a:t>
+            </a:r>
+          </a:p>
+          <a:p>
+            <a:pPr marL="137160" indent="0">
+              <a:buNone/>
+            </a:pPr>
+            <a:r>
+              <a:rPr lang="en-US" dirty="0" smtClean="0"/>
+              <a:t>Nth bit toggle</a:t>
+            </a:r>
+          </a:p>
+          <a:p>
+            <a:pPr marL="585216" lvl="1" indent="0">
+              <a:buNone/>
+            </a:pPr>
+            <a:r>
+              <a:rPr lang="en-US" dirty="0"/>
+              <a:t>a</a:t>
+            </a:r>
+            <a:r>
+              <a:rPr lang="en-US" dirty="0" smtClean="0"/>
+              <a:t>^=(1&lt;&lt;n)</a:t>
+            </a:r>
+          </a:p>
+          <a:p>
+            <a:pPr marL="585216" lvl="1" indent="0">
+              <a:buNone/>
+            </a:pPr>
+            <a:endParaRPr lang="en-US" dirty="0"/>
+          </a:p>
+        </p:txBody>
+      </p:sp>
     </p:spTree>
     <p:extLst>
       <p:ext uri="{BB962C8B-B14F-4D97-AF65-F5344CB8AC3E}">
-        <p14:creationId xmlns:p14="http://schemas.microsoft.com/office/powerpoint/2010/main" val="2807827187"/>
+        <p14:creationId xmlns:p14="http://schemas.microsoft.com/office/powerpoint/2010/main" val="898200017"/>
       </p:ext>
     </p:extLst>
   </p:cSld>
